--- a/ArchUnit.pptx
+++ b/ArchUnit.pptx
@@ -5,47 +5,49 @@
     <p:sldMasterId id="2147483658" r:id="rId1"/>
   </p:sldMasterIdLst>
   <p:notesMasterIdLst>
-    <p:notesMasterId r:id="rId23"/>
+    <p:notesMasterId r:id="rId25"/>
   </p:notesMasterIdLst>
   <p:sldIdLst>
     <p:sldId id="256" r:id="rId2"/>
     <p:sldId id="257" r:id="rId3"/>
     <p:sldId id="264" r:id="rId4"/>
     <p:sldId id="306" r:id="rId5"/>
-    <p:sldId id="307" r:id="rId6"/>
-    <p:sldId id="263" r:id="rId7"/>
-    <p:sldId id="308" r:id="rId8"/>
-    <p:sldId id="273" r:id="rId9"/>
-    <p:sldId id="259" r:id="rId10"/>
-    <p:sldId id="309" r:id="rId11"/>
-    <p:sldId id="310" r:id="rId12"/>
-    <p:sldId id="311" r:id="rId13"/>
-    <p:sldId id="312" r:id="rId14"/>
-    <p:sldId id="313" r:id="rId15"/>
-    <p:sldId id="315" r:id="rId16"/>
-    <p:sldId id="314" r:id="rId17"/>
-    <p:sldId id="316" r:id="rId18"/>
-    <p:sldId id="297" r:id="rId19"/>
-    <p:sldId id="261" r:id="rId20"/>
-    <p:sldId id="265" r:id="rId21"/>
-    <p:sldId id="262" r:id="rId22"/>
+    <p:sldId id="317" r:id="rId6"/>
+    <p:sldId id="307" r:id="rId7"/>
+    <p:sldId id="263" r:id="rId8"/>
+    <p:sldId id="308" r:id="rId9"/>
+    <p:sldId id="273" r:id="rId10"/>
+    <p:sldId id="259" r:id="rId11"/>
+    <p:sldId id="309" r:id="rId12"/>
+    <p:sldId id="318" r:id="rId13"/>
+    <p:sldId id="310" r:id="rId14"/>
+    <p:sldId id="311" r:id="rId15"/>
+    <p:sldId id="312" r:id="rId16"/>
+    <p:sldId id="313" r:id="rId17"/>
+    <p:sldId id="315" r:id="rId18"/>
+    <p:sldId id="314" r:id="rId19"/>
+    <p:sldId id="316" r:id="rId20"/>
+    <p:sldId id="297" r:id="rId21"/>
+    <p:sldId id="261" r:id="rId22"/>
+    <p:sldId id="265" r:id="rId23"/>
+    <p:sldId id="262" r:id="rId24"/>
   </p:sldIdLst>
   <p:sldSz cx="18288000" cy="10287000"/>
   <p:notesSz cx="6858000" cy="9144000"/>
   <p:embeddedFontLst>
     <p:embeddedFont>
       <p:font typeface="Calibri" panose="020F0502020204030204" pitchFamily="34" charset="0"/>
-      <p:regular r:id="rId24"/>
-      <p:bold r:id="rId25"/>
-      <p:italic r:id="rId26"/>
-      <p:boldItalic r:id="rId27"/>
+      <p:regular r:id="rId26"/>
+      <p:bold r:id="rId27"/>
+      <p:italic r:id="rId28"/>
+      <p:boldItalic r:id="rId29"/>
     </p:embeddedFont>
     <p:embeddedFont>
       <p:font typeface="Lato" panose="020F0502020204030203" pitchFamily="34" charset="0"/>
-      <p:regular r:id="rId28"/>
-      <p:bold r:id="rId29"/>
-      <p:italic r:id="rId30"/>
-      <p:boldItalic r:id="rId31"/>
+      <p:regular r:id="rId30"/>
+      <p:bold r:id="rId31"/>
+      <p:italic r:id="rId32"/>
+      <p:boldItalic r:id="rId33"/>
     </p:embeddedFont>
   </p:embeddedFontLst>
   <p:defaultTextStyle>
@@ -1731,7 +1733,7 @@
     </p:spTree>
     <p:extLst>
       <p:ext uri="{BB962C8B-B14F-4D97-AF65-F5344CB8AC3E}">
-        <p14:creationId xmlns:p14="http://schemas.microsoft.com/office/powerpoint/2010/main" val="1450014776"/>
+        <p14:creationId xmlns:p14="http://schemas.microsoft.com/office/powerpoint/2010/main" val="2301413036"/>
       </p:ext>
     </p:extLst>
   </p:cSld>
@@ -1886,7 +1888,7 @@
     </p:spTree>
     <p:extLst>
       <p:ext uri="{BB962C8B-B14F-4D97-AF65-F5344CB8AC3E}">
-        <p14:creationId xmlns:p14="http://schemas.microsoft.com/office/powerpoint/2010/main" val="3352319041"/>
+        <p14:creationId xmlns:p14="http://schemas.microsoft.com/office/powerpoint/2010/main" val="1450014776"/>
       </p:ext>
     </p:extLst>
   </p:cSld>
@@ -2041,7 +2043,7 @@
     </p:spTree>
     <p:extLst>
       <p:ext uri="{BB962C8B-B14F-4D97-AF65-F5344CB8AC3E}">
-        <p14:creationId xmlns:p14="http://schemas.microsoft.com/office/powerpoint/2010/main" val="708071901"/>
+        <p14:creationId xmlns:p14="http://schemas.microsoft.com/office/powerpoint/2010/main" val="572397331"/>
       </p:ext>
     </p:extLst>
   </p:cSld>
@@ -2196,7 +2198,7 @@
     </p:spTree>
     <p:extLst>
       <p:ext uri="{BB962C8B-B14F-4D97-AF65-F5344CB8AC3E}">
-        <p14:creationId xmlns:p14="http://schemas.microsoft.com/office/powerpoint/2010/main" val="3166206868"/>
+        <p14:creationId xmlns:p14="http://schemas.microsoft.com/office/powerpoint/2010/main" val="3352319041"/>
       </p:ext>
     </p:extLst>
   </p:cSld>
@@ -2351,7 +2353,7 @@
     </p:spTree>
     <p:extLst>
       <p:ext uri="{BB962C8B-B14F-4D97-AF65-F5344CB8AC3E}">
-        <p14:creationId xmlns:p14="http://schemas.microsoft.com/office/powerpoint/2010/main" val="1517507058"/>
+        <p14:creationId xmlns:p14="http://schemas.microsoft.com/office/powerpoint/2010/main" val="708071901"/>
       </p:ext>
     </p:extLst>
   </p:cSld>
@@ -2506,7 +2508,7 @@
     </p:spTree>
     <p:extLst>
       <p:ext uri="{BB962C8B-B14F-4D97-AF65-F5344CB8AC3E}">
-        <p14:creationId xmlns:p14="http://schemas.microsoft.com/office/powerpoint/2010/main" val="3916437404"/>
+        <p14:creationId xmlns:p14="http://schemas.microsoft.com/office/powerpoint/2010/main" val="3166206868"/>
       </p:ext>
     </p:extLst>
   </p:cSld>
@@ -2661,6 +2663,316 @@
     </p:spTree>
     <p:extLst>
       <p:ext uri="{BB962C8B-B14F-4D97-AF65-F5344CB8AC3E}">
+        <p14:creationId xmlns:p14="http://schemas.microsoft.com/office/powerpoint/2010/main" val="1517507058"/>
+      </p:ext>
+    </p:extLst>
+  </p:cSld>
+  <p:clrMapOvr>
+    <a:masterClrMapping/>
+  </p:clrMapOvr>
+</p:notes>
+</file>
+
+<file path=ppt/notesSlides/notesSlide17.xml><?xml version="1.0" encoding="utf-8"?>
+<p:notes xmlns:a="http://schemas.openxmlformats.org/drawingml/2006/main" xmlns:r="http://schemas.openxmlformats.org/officeDocument/2006/relationships" xmlns:p="http://schemas.openxmlformats.org/presentationml/2006/main" showMasterSp="0" showMasterPhAnim="0">
+  <p:cSld>
+    <p:spTree>
+      <p:nvGrpSpPr>
+        <p:cNvPr id="1" name="Shape 77"/>
+        <p:cNvGrpSpPr/>
+        <p:nvPr/>
+      </p:nvGrpSpPr>
+      <p:grpSpPr>
+        <a:xfrm>
+          <a:off x="0" y="0"/>
+          <a:ext cx="0" cy="0"/>
+          <a:chOff x="0" y="0"/>
+          <a:chExt cx="0" cy="0"/>
+        </a:xfrm>
+      </p:grpSpPr>
+      <p:sp>
+        <p:nvSpPr>
+          <p:cNvPr id="78" name="Google Shape;78;g3c6ab1e37b_0_6:notes"/>
+          <p:cNvSpPr>
+            <a:spLocks noGrp="1" noRot="1" noChangeAspect="1"/>
+          </p:cNvSpPr>
+          <p:nvPr>
+            <p:ph type="sldImg" idx="2"/>
+          </p:nvPr>
+        </p:nvSpPr>
+        <p:spPr>
+          <a:xfrm>
+            <a:off x="685800" y="1143000"/>
+            <a:ext cx="5486400" cy="3086100"/>
+          </a:xfrm>
+          <a:custGeom>
+            <a:avLst/>
+            <a:gdLst/>
+            <a:ahLst/>
+            <a:cxnLst/>
+            <a:rect l="l" t="t" r="r" b="b"/>
+            <a:pathLst>
+              <a:path w="120000" h="120000" extrusionOk="0">
+                <a:moveTo>
+                  <a:pt x="0" y="0"/>
+                </a:moveTo>
+                <a:lnTo>
+                  <a:pt x="120000" y="0"/>
+                </a:lnTo>
+                <a:lnTo>
+                  <a:pt x="120000" y="120000"/>
+                </a:lnTo>
+                <a:lnTo>
+                  <a:pt x="0" y="120000"/>
+                </a:lnTo>
+                <a:close/>
+              </a:path>
+            </a:pathLst>
+          </a:custGeom>
+        </p:spPr>
+      </p:sp>
+      <p:sp>
+        <p:nvSpPr>
+          <p:cNvPr id="79" name="Google Shape;79;g3c6ab1e37b_0_6:notes"/>
+          <p:cNvSpPr txBox="1">
+            <a:spLocks noGrp="1"/>
+          </p:cNvSpPr>
+          <p:nvPr>
+            <p:ph type="body" idx="1"/>
+          </p:nvPr>
+        </p:nvSpPr>
+        <p:spPr>
+          <a:xfrm>
+            <a:off x="685800" y="4400550"/>
+            <a:ext cx="5486400" cy="3600600"/>
+          </a:xfrm>
+          <a:prstGeom prst="rect">
+            <a:avLst/>
+          </a:prstGeom>
+        </p:spPr>
+        <p:txBody>
+          <a:bodyPr spcFirstLastPara="1" wrap="square" lIns="91425" tIns="91425" rIns="91425" bIns="91425" anchor="t" anchorCtr="0">
+            <a:noAutofit/>
+          </a:bodyPr>
+          <a:lstStyle/>
+          <a:p>
+            <a:pPr marL="0" lvl="0" indent="0" algn="l" rtl="0">
+              <a:spcBef>
+                <a:spcPts val="0"/>
+              </a:spcBef>
+              <a:spcAft>
+                <a:spcPts val="0"/>
+              </a:spcAft>
+              <a:buNone/>
+            </a:pPr>
+            <a:endParaRPr dirty="0"/>
+          </a:p>
+        </p:txBody>
+      </p:sp>
+      <p:sp>
+        <p:nvSpPr>
+          <p:cNvPr id="80" name="Google Shape;80;g3c6ab1e37b_0_6:notes"/>
+          <p:cNvSpPr txBox="1">
+            <a:spLocks noGrp="1"/>
+          </p:cNvSpPr>
+          <p:nvPr>
+            <p:ph type="sldNum" idx="12"/>
+          </p:nvPr>
+        </p:nvSpPr>
+        <p:spPr>
+          <a:xfrm>
+            <a:off x="3884613" y="8685213"/>
+            <a:ext cx="2971800" cy="458700"/>
+          </a:xfrm>
+          <a:prstGeom prst="rect">
+            <a:avLst/>
+          </a:prstGeom>
+        </p:spPr>
+        <p:txBody>
+          <a:bodyPr spcFirstLastPara="1" wrap="square" lIns="91425" tIns="45700" rIns="91425" bIns="45700" anchor="b" anchorCtr="0">
+            <a:noAutofit/>
+          </a:bodyPr>
+          <a:lstStyle/>
+          <a:p>
+            <a:pPr marL="0" lvl="0" indent="0" algn="r" rtl="0">
+              <a:spcBef>
+                <a:spcPts val="0"/>
+              </a:spcBef>
+              <a:spcAft>
+                <a:spcPts val="0"/>
+              </a:spcAft>
+              <a:buClr>
+                <a:srgbClr val="000000"/>
+              </a:buClr>
+              <a:buFont typeface="Arial"/>
+              <a:buNone/>
+            </a:pPr>
+            <a:fld id="{00000000-1234-1234-1234-123412341234}" type="slidenum">
+              <a:rPr lang="en-US"/>
+              <a:t>17</a:t>
+            </a:fld>
+            <a:endParaRPr/>
+          </a:p>
+        </p:txBody>
+      </p:sp>
+    </p:spTree>
+    <p:extLst>
+      <p:ext uri="{BB962C8B-B14F-4D97-AF65-F5344CB8AC3E}">
+        <p14:creationId xmlns:p14="http://schemas.microsoft.com/office/powerpoint/2010/main" val="3916437404"/>
+      </p:ext>
+    </p:extLst>
+  </p:cSld>
+  <p:clrMapOvr>
+    <a:masterClrMapping/>
+  </p:clrMapOvr>
+</p:notes>
+</file>
+
+<file path=ppt/notesSlides/notesSlide18.xml><?xml version="1.0" encoding="utf-8"?>
+<p:notes xmlns:a="http://schemas.openxmlformats.org/drawingml/2006/main" xmlns:r="http://schemas.openxmlformats.org/officeDocument/2006/relationships" xmlns:p="http://schemas.openxmlformats.org/presentationml/2006/main" showMasterSp="0" showMasterPhAnim="0">
+  <p:cSld>
+    <p:spTree>
+      <p:nvGrpSpPr>
+        <p:cNvPr id="1" name="Shape 77"/>
+        <p:cNvGrpSpPr/>
+        <p:nvPr/>
+      </p:nvGrpSpPr>
+      <p:grpSpPr>
+        <a:xfrm>
+          <a:off x="0" y="0"/>
+          <a:ext cx="0" cy="0"/>
+          <a:chOff x="0" y="0"/>
+          <a:chExt cx="0" cy="0"/>
+        </a:xfrm>
+      </p:grpSpPr>
+      <p:sp>
+        <p:nvSpPr>
+          <p:cNvPr id="78" name="Google Shape;78;g3c6ab1e37b_0_6:notes"/>
+          <p:cNvSpPr>
+            <a:spLocks noGrp="1" noRot="1" noChangeAspect="1"/>
+          </p:cNvSpPr>
+          <p:nvPr>
+            <p:ph type="sldImg" idx="2"/>
+          </p:nvPr>
+        </p:nvSpPr>
+        <p:spPr>
+          <a:xfrm>
+            <a:off x="685800" y="1143000"/>
+            <a:ext cx="5486400" cy="3086100"/>
+          </a:xfrm>
+          <a:custGeom>
+            <a:avLst/>
+            <a:gdLst/>
+            <a:ahLst/>
+            <a:cxnLst/>
+            <a:rect l="l" t="t" r="r" b="b"/>
+            <a:pathLst>
+              <a:path w="120000" h="120000" extrusionOk="0">
+                <a:moveTo>
+                  <a:pt x="0" y="0"/>
+                </a:moveTo>
+                <a:lnTo>
+                  <a:pt x="120000" y="0"/>
+                </a:lnTo>
+                <a:lnTo>
+                  <a:pt x="120000" y="120000"/>
+                </a:lnTo>
+                <a:lnTo>
+                  <a:pt x="0" y="120000"/>
+                </a:lnTo>
+                <a:close/>
+              </a:path>
+            </a:pathLst>
+          </a:custGeom>
+        </p:spPr>
+      </p:sp>
+      <p:sp>
+        <p:nvSpPr>
+          <p:cNvPr id="79" name="Google Shape;79;g3c6ab1e37b_0_6:notes"/>
+          <p:cNvSpPr txBox="1">
+            <a:spLocks noGrp="1"/>
+          </p:cNvSpPr>
+          <p:nvPr>
+            <p:ph type="body" idx="1"/>
+          </p:nvPr>
+        </p:nvSpPr>
+        <p:spPr>
+          <a:xfrm>
+            <a:off x="685800" y="4400550"/>
+            <a:ext cx="5486400" cy="3600600"/>
+          </a:xfrm>
+          <a:prstGeom prst="rect">
+            <a:avLst/>
+          </a:prstGeom>
+        </p:spPr>
+        <p:txBody>
+          <a:bodyPr spcFirstLastPara="1" wrap="square" lIns="91425" tIns="91425" rIns="91425" bIns="91425" anchor="t" anchorCtr="0">
+            <a:noAutofit/>
+          </a:bodyPr>
+          <a:lstStyle/>
+          <a:p>
+            <a:pPr marL="0" lvl="0" indent="0" algn="l" rtl="0">
+              <a:spcBef>
+                <a:spcPts val="0"/>
+              </a:spcBef>
+              <a:spcAft>
+                <a:spcPts val="0"/>
+              </a:spcAft>
+              <a:buNone/>
+            </a:pPr>
+            <a:endParaRPr dirty="0"/>
+          </a:p>
+        </p:txBody>
+      </p:sp>
+      <p:sp>
+        <p:nvSpPr>
+          <p:cNvPr id="80" name="Google Shape;80;g3c6ab1e37b_0_6:notes"/>
+          <p:cNvSpPr txBox="1">
+            <a:spLocks noGrp="1"/>
+          </p:cNvSpPr>
+          <p:nvPr>
+            <p:ph type="sldNum" idx="12"/>
+          </p:nvPr>
+        </p:nvSpPr>
+        <p:spPr>
+          <a:xfrm>
+            <a:off x="3884613" y="8685213"/>
+            <a:ext cx="2971800" cy="458700"/>
+          </a:xfrm>
+          <a:prstGeom prst="rect">
+            <a:avLst/>
+          </a:prstGeom>
+        </p:spPr>
+        <p:txBody>
+          <a:bodyPr spcFirstLastPara="1" wrap="square" lIns="91425" tIns="45700" rIns="91425" bIns="45700" anchor="b" anchorCtr="0">
+            <a:noAutofit/>
+          </a:bodyPr>
+          <a:lstStyle/>
+          <a:p>
+            <a:pPr marL="0" lvl="0" indent="0" algn="r" rtl="0">
+              <a:spcBef>
+                <a:spcPts val="0"/>
+              </a:spcBef>
+              <a:spcAft>
+                <a:spcPts val="0"/>
+              </a:spcAft>
+              <a:buClr>
+                <a:srgbClr val="000000"/>
+              </a:buClr>
+              <a:buFont typeface="Arial"/>
+              <a:buNone/>
+            </a:pPr>
+            <a:fld id="{00000000-1234-1234-1234-123412341234}" type="slidenum">
+              <a:rPr lang="en-US"/>
+              <a:t>18</a:t>
+            </a:fld>
+            <a:endParaRPr/>
+          </a:p>
+        </p:txBody>
+      </p:sp>
+    </p:spTree>
+    <p:extLst>
+      <p:ext uri="{BB962C8B-B14F-4D97-AF65-F5344CB8AC3E}">
         <p14:creationId xmlns:p14="http://schemas.microsoft.com/office/powerpoint/2010/main" val="1965556411"/>
       </p:ext>
     </p:extLst>
@@ -2671,7 +2983,7 @@
 </p:notes>
 </file>
 
-<file path=ppt/notesSlides/notesSlide17.xml><?xml version="1.0" encoding="utf-8"?>
+<file path=ppt/notesSlides/notesSlide19.xml><?xml version="1.0" encoding="utf-8"?>
 <p:notes xmlns:a="http://schemas.openxmlformats.org/drawingml/2006/main" xmlns:r="http://schemas.openxmlformats.org/officeDocument/2006/relationships" xmlns:p="http://schemas.openxmlformats.org/presentationml/2006/main" showMasterSp="0" showMasterPhAnim="0">
   <p:cSld>
     <p:spTree>
@@ -2807,7 +3119,7 @@
             </a:pPr>
             <a:fld id="{00000000-1234-1234-1234-123412341234}" type="slidenum">
               <a:rPr lang="en-US"/>
-              <a:t>17</a:t>
+              <a:t>19</a:t>
             </a:fld>
             <a:endParaRPr/>
           </a:p>
@@ -2819,315 +3131,6 @@
         <p14:creationId xmlns:p14="http://schemas.microsoft.com/office/powerpoint/2010/main" val="2989954143"/>
       </p:ext>
     </p:extLst>
-  </p:cSld>
-  <p:clrMapOvr>
-    <a:masterClrMapping/>
-  </p:clrMapOvr>
-</p:notes>
-</file>
-
-<file path=ppt/notesSlides/notesSlide18.xml><?xml version="1.0" encoding="utf-8"?>
-<p:notes xmlns:a="http://schemas.openxmlformats.org/drawingml/2006/main" xmlns:r="http://schemas.openxmlformats.org/officeDocument/2006/relationships" xmlns:p="http://schemas.openxmlformats.org/presentationml/2006/main" showMasterSp="0" showMasterPhAnim="0">
-  <p:cSld>
-    <p:spTree>
-      <p:nvGrpSpPr>
-        <p:cNvPr id="1" name="Shape 70"/>
-        <p:cNvGrpSpPr/>
-        <p:nvPr/>
-      </p:nvGrpSpPr>
-      <p:grpSpPr>
-        <a:xfrm>
-          <a:off x="0" y="0"/>
-          <a:ext cx="0" cy="0"/>
-          <a:chOff x="0" y="0"/>
-          <a:chExt cx="0" cy="0"/>
-        </a:xfrm>
-      </p:grpSpPr>
-      <p:sp>
-        <p:nvSpPr>
-          <p:cNvPr id="71" name="Google Shape;71;g3c6ab1e37b_0_0:notes"/>
-          <p:cNvSpPr>
-            <a:spLocks noGrp="1" noRot="1" noChangeAspect="1"/>
-          </p:cNvSpPr>
-          <p:nvPr>
-            <p:ph type="sldImg" idx="2"/>
-          </p:nvPr>
-        </p:nvSpPr>
-        <p:spPr>
-          <a:xfrm>
-            <a:off x="685800" y="1143000"/>
-            <a:ext cx="5486400" cy="3086100"/>
-          </a:xfrm>
-          <a:custGeom>
-            <a:avLst/>
-            <a:gdLst/>
-            <a:ahLst/>
-            <a:cxnLst/>
-            <a:rect l="l" t="t" r="r" b="b"/>
-            <a:pathLst>
-              <a:path w="120000" h="120000" extrusionOk="0">
-                <a:moveTo>
-                  <a:pt x="0" y="0"/>
-                </a:moveTo>
-                <a:lnTo>
-                  <a:pt x="120000" y="0"/>
-                </a:lnTo>
-                <a:lnTo>
-                  <a:pt x="120000" y="120000"/>
-                </a:lnTo>
-                <a:lnTo>
-                  <a:pt x="0" y="120000"/>
-                </a:lnTo>
-                <a:close/>
-              </a:path>
-            </a:pathLst>
-          </a:custGeom>
-        </p:spPr>
-      </p:sp>
-      <p:sp>
-        <p:nvSpPr>
-          <p:cNvPr id="72" name="Google Shape;72;g3c6ab1e37b_0_0:notes"/>
-          <p:cNvSpPr txBox="1">
-            <a:spLocks noGrp="1"/>
-          </p:cNvSpPr>
-          <p:nvPr>
-            <p:ph type="body" idx="1"/>
-          </p:nvPr>
-        </p:nvSpPr>
-        <p:spPr>
-          <a:xfrm>
-            <a:off x="685800" y="4400550"/>
-            <a:ext cx="5486400" cy="3600600"/>
-          </a:xfrm>
-          <a:prstGeom prst="rect">
-            <a:avLst/>
-          </a:prstGeom>
-        </p:spPr>
-        <p:txBody>
-          <a:bodyPr spcFirstLastPara="1" wrap="square" lIns="91425" tIns="91425" rIns="91425" bIns="91425" anchor="t" anchorCtr="0">
-            <a:noAutofit/>
-          </a:bodyPr>
-          <a:lstStyle/>
-          <a:p>
-            <a:pPr marL="0" lvl="0" indent="0" algn="l" rtl="0">
-              <a:spcBef>
-                <a:spcPts val="0"/>
-              </a:spcBef>
-              <a:spcAft>
-                <a:spcPts val="0"/>
-              </a:spcAft>
-              <a:buNone/>
-            </a:pPr>
-            <a:endParaRPr/>
-          </a:p>
-        </p:txBody>
-      </p:sp>
-      <p:sp>
-        <p:nvSpPr>
-          <p:cNvPr id="73" name="Google Shape;73;g3c6ab1e37b_0_0:notes"/>
-          <p:cNvSpPr txBox="1">
-            <a:spLocks noGrp="1"/>
-          </p:cNvSpPr>
-          <p:nvPr>
-            <p:ph type="sldNum" idx="12"/>
-          </p:nvPr>
-        </p:nvSpPr>
-        <p:spPr>
-          <a:xfrm>
-            <a:off x="3884613" y="8685213"/>
-            <a:ext cx="2971800" cy="458700"/>
-          </a:xfrm>
-          <a:prstGeom prst="rect">
-            <a:avLst/>
-          </a:prstGeom>
-        </p:spPr>
-        <p:txBody>
-          <a:bodyPr spcFirstLastPara="1" wrap="square" lIns="91425" tIns="45700" rIns="91425" bIns="45700" anchor="b" anchorCtr="0">
-            <a:noAutofit/>
-          </a:bodyPr>
-          <a:lstStyle/>
-          <a:p>
-            <a:pPr marL="0" lvl="0" indent="0" algn="r" rtl="0">
-              <a:spcBef>
-                <a:spcPts val="0"/>
-              </a:spcBef>
-              <a:spcAft>
-                <a:spcPts val="0"/>
-              </a:spcAft>
-              <a:buClr>
-                <a:srgbClr val="000000"/>
-              </a:buClr>
-              <a:buFont typeface="Arial"/>
-              <a:buNone/>
-            </a:pPr>
-            <a:fld id="{00000000-1234-1234-1234-123412341234}" type="slidenum">
-              <a:rPr lang="en-US"/>
-              <a:t>18</a:t>
-            </a:fld>
-            <a:endParaRPr/>
-          </a:p>
-        </p:txBody>
-      </p:sp>
-    </p:spTree>
-    <p:extLst>
-      <p:ext uri="{BB962C8B-B14F-4D97-AF65-F5344CB8AC3E}">
-        <p14:creationId xmlns:p14="http://schemas.microsoft.com/office/powerpoint/2010/main" val="1633796959"/>
-      </p:ext>
-    </p:extLst>
-  </p:cSld>
-  <p:clrMapOvr>
-    <a:masterClrMapping/>
-  </p:clrMapOvr>
-</p:notes>
-</file>
-
-<file path=ppt/notesSlides/notesSlide19.xml><?xml version="1.0" encoding="utf-8"?>
-<p:notes xmlns:a="http://schemas.openxmlformats.org/drawingml/2006/main" xmlns:r="http://schemas.openxmlformats.org/officeDocument/2006/relationships" xmlns:p="http://schemas.openxmlformats.org/presentationml/2006/main" showMasterSp="0" showMasterPhAnim="0">
-  <p:cSld>
-    <p:spTree>
-      <p:nvGrpSpPr>
-        <p:cNvPr id="1" name="Shape 92"/>
-        <p:cNvGrpSpPr/>
-        <p:nvPr/>
-      </p:nvGrpSpPr>
-      <p:grpSpPr>
-        <a:xfrm>
-          <a:off x="0" y="0"/>
-          <a:ext cx="0" cy="0"/>
-          <a:chOff x="0" y="0"/>
-          <a:chExt cx="0" cy="0"/>
-        </a:xfrm>
-      </p:grpSpPr>
-      <p:sp>
-        <p:nvSpPr>
-          <p:cNvPr id="93" name="Google Shape;93;g221f1429d4_1_134:notes"/>
-          <p:cNvSpPr>
-            <a:spLocks noGrp="1" noRot="1" noChangeAspect="1"/>
-          </p:cNvSpPr>
-          <p:nvPr>
-            <p:ph type="sldImg" idx="2"/>
-          </p:nvPr>
-        </p:nvSpPr>
-        <p:spPr>
-          <a:xfrm>
-            <a:off x="685800" y="1143000"/>
-            <a:ext cx="5486400" cy="3086100"/>
-          </a:xfrm>
-          <a:custGeom>
-            <a:avLst/>
-            <a:gdLst/>
-            <a:ahLst/>
-            <a:cxnLst/>
-            <a:rect l="l" t="t" r="r" b="b"/>
-            <a:pathLst>
-              <a:path w="120000" h="120000" extrusionOk="0">
-                <a:moveTo>
-                  <a:pt x="0" y="0"/>
-                </a:moveTo>
-                <a:lnTo>
-                  <a:pt x="120000" y="0"/>
-                </a:lnTo>
-                <a:lnTo>
-                  <a:pt x="120000" y="120000"/>
-                </a:lnTo>
-                <a:lnTo>
-                  <a:pt x="0" y="120000"/>
-                </a:lnTo>
-                <a:close/>
-              </a:path>
-            </a:pathLst>
-          </a:custGeom>
-        </p:spPr>
-      </p:sp>
-      <p:sp>
-        <p:nvSpPr>
-          <p:cNvPr id="94" name="Google Shape;94;g221f1429d4_1_134:notes"/>
-          <p:cNvSpPr txBox="1">
-            <a:spLocks noGrp="1"/>
-          </p:cNvSpPr>
-          <p:nvPr>
-            <p:ph type="body" idx="1"/>
-          </p:nvPr>
-        </p:nvSpPr>
-        <p:spPr>
-          <a:xfrm>
-            <a:off x="685800" y="4400550"/>
-            <a:ext cx="5486400" cy="3600600"/>
-          </a:xfrm>
-          <a:prstGeom prst="rect">
-            <a:avLst/>
-          </a:prstGeom>
-        </p:spPr>
-        <p:txBody>
-          <a:bodyPr spcFirstLastPara="1" wrap="square" lIns="91425" tIns="91425" rIns="91425" bIns="91425" anchor="t" anchorCtr="0">
-            <a:noAutofit/>
-          </a:bodyPr>
-          <a:lstStyle/>
-          <a:p>
-            <a:pPr marL="0" lvl="0" indent="0" algn="l" rtl="0">
-              <a:lnSpc>
-                <a:spcPct val="144444"/>
-              </a:lnSpc>
-              <a:spcBef>
-                <a:spcPts val="0"/>
-              </a:spcBef>
-              <a:spcAft>
-                <a:spcPts val="0"/>
-              </a:spcAft>
-              <a:buNone/>
-            </a:pPr>
-            <a:endParaRPr sz="1350">
-              <a:latin typeface="Arial"/>
-              <a:ea typeface="Arial"/>
-              <a:cs typeface="Arial"/>
-              <a:sym typeface="Arial"/>
-            </a:endParaRPr>
-          </a:p>
-        </p:txBody>
-      </p:sp>
-      <p:sp>
-        <p:nvSpPr>
-          <p:cNvPr id="95" name="Google Shape;95;g221f1429d4_1_134:notes"/>
-          <p:cNvSpPr txBox="1">
-            <a:spLocks noGrp="1"/>
-          </p:cNvSpPr>
-          <p:nvPr>
-            <p:ph type="sldNum" idx="12"/>
-          </p:nvPr>
-        </p:nvSpPr>
-        <p:spPr>
-          <a:xfrm>
-            <a:off x="3884613" y="8685213"/>
-            <a:ext cx="2971800" cy="458700"/>
-          </a:xfrm>
-          <a:prstGeom prst="rect">
-            <a:avLst/>
-          </a:prstGeom>
-        </p:spPr>
-        <p:txBody>
-          <a:bodyPr spcFirstLastPara="1" wrap="square" lIns="91425" tIns="45700" rIns="91425" bIns="45700" anchor="b" anchorCtr="0">
-            <a:noAutofit/>
-          </a:bodyPr>
-          <a:lstStyle/>
-          <a:p>
-            <a:pPr marL="0" lvl="0" indent="0" algn="r" rtl="0">
-              <a:spcBef>
-                <a:spcPts val="0"/>
-              </a:spcBef>
-              <a:spcAft>
-                <a:spcPts val="0"/>
-              </a:spcAft>
-              <a:buNone/>
-            </a:pPr>
-            <a:fld id="{00000000-1234-1234-1234-123412341234}" type="slidenum">
-              <a:rPr lang="en-US"/>
-              <a:t>19</a:t>
-            </a:fld>
-            <a:endParaRPr/>
-          </a:p>
-        </p:txBody>
-      </p:sp>
-    </p:spTree>
   </p:cSld>
   <p:clrMapOvr>
     <a:masterClrMapping/>
@@ -3320,6 +3323,315 @@
   <p:cSld>
     <p:spTree>
       <p:nvGrpSpPr>
+        <p:cNvPr id="1" name="Shape 70"/>
+        <p:cNvGrpSpPr/>
+        <p:nvPr/>
+      </p:nvGrpSpPr>
+      <p:grpSpPr>
+        <a:xfrm>
+          <a:off x="0" y="0"/>
+          <a:ext cx="0" cy="0"/>
+          <a:chOff x="0" y="0"/>
+          <a:chExt cx="0" cy="0"/>
+        </a:xfrm>
+      </p:grpSpPr>
+      <p:sp>
+        <p:nvSpPr>
+          <p:cNvPr id="71" name="Google Shape;71;g3c6ab1e37b_0_0:notes"/>
+          <p:cNvSpPr>
+            <a:spLocks noGrp="1" noRot="1" noChangeAspect="1"/>
+          </p:cNvSpPr>
+          <p:nvPr>
+            <p:ph type="sldImg" idx="2"/>
+          </p:nvPr>
+        </p:nvSpPr>
+        <p:spPr>
+          <a:xfrm>
+            <a:off x="685800" y="1143000"/>
+            <a:ext cx="5486400" cy="3086100"/>
+          </a:xfrm>
+          <a:custGeom>
+            <a:avLst/>
+            <a:gdLst/>
+            <a:ahLst/>
+            <a:cxnLst/>
+            <a:rect l="l" t="t" r="r" b="b"/>
+            <a:pathLst>
+              <a:path w="120000" h="120000" extrusionOk="0">
+                <a:moveTo>
+                  <a:pt x="0" y="0"/>
+                </a:moveTo>
+                <a:lnTo>
+                  <a:pt x="120000" y="0"/>
+                </a:lnTo>
+                <a:lnTo>
+                  <a:pt x="120000" y="120000"/>
+                </a:lnTo>
+                <a:lnTo>
+                  <a:pt x="0" y="120000"/>
+                </a:lnTo>
+                <a:close/>
+              </a:path>
+            </a:pathLst>
+          </a:custGeom>
+        </p:spPr>
+      </p:sp>
+      <p:sp>
+        <p:nvSpPr>
+          <p:cNvPr id="72" name="Google Shape;72;g3c6ab1e37b_0_0:notes"/>
+          <p:cNvSpPr txBox="1">
+            <a:spLocks noGrp="1"/>
+          </p:cNvSpPr>
+          <p:nvPr>
+            <p:ph type="body" idx="1"/>
+          </p:nvPr>
+        </p:nvSpPr>
+        <p:spPr>
+          <a:xfrm>
+            <a:off x="685800" y="4400550"/>
+            <a:ext cx="5486400" cy="3600600"/>
+          </a:xfrm>
+          <a:prstGeom prst="rect">
+            <a:avLst/>
+          </a:prstGeom>
+        </p:spPr>
+        <p:txBody>
+          <a:bodyPr spcFirstLastPara="1" wrap="square" lIns="91425" tIns="91425" rIns="91425" bIns="91425" anchor="t" anchorCtr="0">
+            <a:noAutofit/>
+          </a:bodyPr>
+          <a:lstStyle/>
+          <a:p>
+            <a:pPr marL="0" lvl="0" indent="0" algn="l" rtl="0">
+              <a:spcBef>
+                <a:spcPts val="0"/>
+              </a:spcBef>
+              <a:spcAft>
+                <a:spcPts val="0"/>
+              </a:spcAft>
+              <a:buNone/>
+            </a:pPr>
+            <a:endParaRPr/>
+          </a:p>
+        </p:txBody>
+      </p:sp>
+      <p:sp>
+        <p:nvSpPr>
+          <p:cNvPr id="73" name="Google Shape;73;g3c6ab1e37b_0_0:notes"/>
+          <p:cNvSpPr txBox="1">
+            <a:spLocks noGrp="1"/>
+          </p:cNvSpPr>
+          <p:nvPr>
+            <p:ph type="sldNum" idx="12"/>
+          </p:nvPr>
+        </p:nvSpPr>
+        <p:spPr>
+          <a:xfrm>
+            <a:off x="3884613" y="8685213"/>
+            <a:ext cx="2971800" cy="458700"/>
+          </a:xfrm>
+          <a:prstGeom prst="rect">
+            <a:avLst/>
+          </a:prstGeom>
+        </p:spPr>
+        <p:txBody>
+          <a:bodyPr spcFirstLastPara="1" wrap="square" lIns="91425" tIns="45700" rIns="91425" bIns="45700" anchor="b" anchorCtr="0">
+            <a:noAutofit/>
+          </a:bodyPr>
+          <a:lstStyle/>
+          <a:p>
+            <a:pPr marL="0" lvl="0" indent="0" algn="r" rtl="0">
+              <a:spcBef>
+                <a:spcPts val="0"/>
+              </a:spcBef>
+              <a:spcAft>
+                <a:spcPts val="0"/>
+              </a:spcAft>
+              <a:buClr>
+                <a:srgbClr val="000000"/>
+              </a:buClr>
+              <a:buFont typeface="Arial"/>
+              <a:buNone/>
+            </a:pPr>
+            <a:fld id="{00000000-1234-1234-1234-123412341234}" type="slidenum">
+              <a:rPr lang="en-US"/>
+              <a:t>20</a:t>
+            </a:fld>
+            <a:endParaRPr/>
+          </a:p>
+        </p:txBody>
+      </p:sp>
+    </p:spTree>
+    <p:extLst>
+      <p:ext uri="{BB962C8B-B14F-4D97-AF65-F5344CB8AC3E}">
+        <p14:creationId xmlns:p14="http://schemas.microsoft.com/office/powerpoint/2010/main" val="1633796959"/>
+      </p:ext>
+    </p:extLst>
+  </p:cSld>
+  <p:clrMapOvr>
+    <a:masterClrMapping/>
+  </p:clrMapOvr>
+</p:notes>
+</file>
+
+<file path=ppt/notesSlides/notesSlide21.xml><?xml version="1.0" encoding="utf-8"?>
+<p:notes xmlns:a="http://schemas.openxmlformats.org/drawingml/2006/main" xmlns:r="http://schemas.openxmlformats.org/officeDocument/2006/relationships" xmlns:p="http://schemas.openxmlformats.org/presentationml/2006/main" showMasterSp="0" showMasterPhAnim="0">
+  <p:cSld>
+    <p:spTree>
+      <p:nvGrpSpPr>
+        <p:cNvPr id="1" name="Shape 92"/>
+        <p:cNvGrpSpPr/>
+        <p:nvPr/>
+      </p:nvGrpSpPr>
+      <p:grpSpPr>
+        <a:xfrm>
+          <a:off x="0" y="0"/>
+          <a:ext cx="0" cy="0"/>
+          <a:chOff x="0" y="0"/>
+          <a:chExt cx="0" cy="0"/>
+        </a:xfrm>
+      </p:grpSpPr>
+      <p:sp>
+        <p:nvSpPr>
+          <p:cNvPr id="93" name="Google Shape;93;g221f1429d4_1_134:notes"/>
+          <p:cNvSpPr>
+            <a:spLocks noGrp="1" noRot="1" noChangeAspect="1"/>
+          </p:cNvSpPr>
+          <p:nvPr>
+            <p:ph type="sldImg" idx="2"/>
+          </p:nvPr>
+        </p:nvSpPr>
+        <p:spPr>
+          <a:xfrm>
+            <a:off x="685800" y="1143000"/>
+            <a:ext cx="5486400" cy="3086100"/>
+          </a:xfrm>
+          <a:custGeom>
+            <a:avLst/>
+            <a:gdLst/>
+            <a:ahLst/>
+            <a:cxnLst/>
+            <a:rect l="l" t="t" r="r" b="b"/>
+            <a:pathLst>
+              <a:path w="120000" h="120000" extrusionOk="0">
+                <a:moveTo>
+                  <a:pt x="0" y="0"/>
+                </a:moveTo>
+                <a:lnTo>
+                  <a:pt x="120000" y="0"/>
+                </a:lnTo>
+                <a:lnTo>
+                  <a:pt x="120000" y="120000"/>
+                </a:lnTo>
+                <a:lnTo>
+                  <a:pt x="0" y="120000"/>
+                </a:lnTo>
+                <a:close/>
+              </a:path>
+            </a:pathLst>
+          </a:custGeom>
+        </p:spPr>
+      </p:sp>
+      <p:sp>
+        <p:nvSpPr>
+          <p:cNvPr id="94" name="Google Shape;94;g221f1429d4_1_134:notes"/>
+          <p:cNvSpPr txBox="1">
+            <a:spLocks noGrp="1"/>
+          </p:cNvSpPr>
+          <p:nvPr>
+            <p:ph type="body" idx="1"/>
+          </p:nvPr>
+        </p:nvSpPr>
+        <p:spPr>
+          <a:xfrm>
+            <a:off x="685800" y="4400550"/>
+            <a:ext cx="5486400" cy="3600600"/>
+          </a:xfrm>
+          <a:prstGeom prst="rect">
+            <a:avLst/>
+          </a:prstGeom>
+        </p:spPr>
+        <p:txBody>
+          <a:bodyPr spcFirstLastPara="1" wrap="square" lIns="91425" tIns="91425" rIns="91425" bIns="91425" anchor="t" anchorCtr="0">
+            <a:noAutofit/>
+          </a:bodyPr>
+          <a:lstStyle/>
+          <a:p>
+            <a:pPr marL="0" lvl="0" indent="0" algn="l" rtl="0">
+              <a:lnSpc>
+                <a:spcPct val="144444"/>
+              </a:lnSpc>
+              <a:spcBef>
+                <a:spcPts val="0"/>
+              </a:spcBef>
+              <a:spcAft>
+                <a:spcPts val="0"/>
+              </a:spcAft>
+              <a:buNone/>
+            </a:pPr>
+            <a:endParaRPr sz="1350">
+              <a:latin typeface="Arial"/>
+              <a:ea typeface="Arial"/>
+              <a:cs typeface="Arial"/>
+              <a:sym typeface="Arial"/>
+            </a:endParaRPr>
+          </a:p>
+        </p:txBody>
+      </p:sp>
+      <p:sp>
+        <p:nvSpPr>
+          <p:cNvPr id="95" name="Google Shape;95;g221f1429d4_1_134:notes"/>
+          <p:cNvSpPr txBox="1">
+            <a:spLocks noGrp="1"/>
+          </p:cNvSpPr>
+          <p:nvPr>
+            <p:ph type="sldNum" idx="12"/>
+          </p:nvPr>
+        </p:nvSpPr>
+        <p:spPr>
+          <a:xfrm>
+            <a:off x="3884613" y="8685213"/>
+            <a:ext cx="2971800" cy="458700"/>
+          </a:xfrm>
+          <a:prstGeom prst="rect">
+            <a:avLst/>
+          </a:prstGeom>
+        </p:spPr>
+        <p:txBody>
+          <a:bodyPr spcFirstLastPara="1" wrap="square" lIns="91425" tIns="45700" rIns="91425" bIns="45700" anchor="b" anchorCtr="0">
+            <a:noAutofit/>
+          </a:bodyPr>
+          <a:lstStyle/>
+          <a:p>
+            <a:pPr marL="0" lvl="0" indent="0" algn="r" rtl="0">
+              <a:spcBef>
+                <a:spcPts val="0"/>
+              </a:spcBef>
+              <a:spcAft>
+                <a:spcPts val="0"/>
+              </a:spcAft>
+              <a:buNone/>
+            </a:pPr>
+            <a:fld id="{00000000-1234-1234-1234-123412341234}" type="slidenum">
+              <a:rPr lang="en-US"/>
+              <a:t>21</a:t>
+            </a:fld>
+            <a:endParaRPr/>
+          </a:p>
+        </p:txBody>
+      </p:sp>
+    </p:spTree>
+  </p:cSld>
+  <p:clrMapOvr>
+    <a:masterClrMapping/>
+  </p:clrMapOvr>
+</p:notes>
+</file>
+
+<file path=ppt/notesSlides/notesSlide22.xml><?xml version="1.0" encoding="utf-8"?>
+<p:notes xmlns:a="http://schemas.openxmlformats.org/drawingml/2006/main" xmlns:r="http://schemas.openxmlformats.org/officeDocument/2006/relationships" xmlns:p="http://schemas.openxmlformats.org/presentationml/2006/main" showMasterSp="0" showMasterPhAnim="0">
+  <p:cSld>
+    <p:spTree>
+      <p:nvGrpSpPr>
         <p:cNvPr id="1" name="Shape 62"/>
         <p:cNvGrpSpPr/>
         <p:nvPr/>
@@ -3473,7 +3785,7 @@
                 <a:cs typeface="Calibri"/>
                 <a:sym typeface="Calibri"/>
               </a:rPr>
-              <a:t>20</a:t>
+              <a:t>22</a:t>
             </a:fld>
             <a:endParaRPr sz="1200" b="0" i="0" u="none" strike="noStrike" cap="none">
               <a:solidFill>
@@ -3500,7 +3812,7 @@
 </p:notes>
 </file>
 
-<file path=ppt/notesSlides/notesSlide21.xml><?xml version="1.0" encoding="utf-8"?>
+<file path=ppt/notesSlides/notesSlide23.xml><?xml version="1.0" encoding="utf-8"?>
 <p:notes xmlns:a="http://schemas.openxmlformats.org/drawingml/2006/main" xmlns:r="http://schemas.openxmlformats.org/officeDocument/2006/relationships" xmlns:p="http://schemas.openxmlformats.org/presentationml/2006/main" showMasterSp="0" showMasterPhAnim="0">
   <p:cSld>
     <p:spTree>
@@ -3636,7 +3948,7 @@
             </a:pPr>
             <a:fld id="{00000000-1234-1234-1234-123412341234}" type="slidenum">
               <a:rPr lang="en-US"/>
-              <a:t>21</a:t>
+              <a:t>23</a:t>
             </a:fld>
             <a:endParaRPr/>
           </a:p>
@@ -3965,161 +4277,6 @@
   <p:cSld>
     <p:spTree>
       <p:nvGrpSpPr>
-        <p:cNvPr id="1" name="Shape 70"/>
-        <p:cNvGrpSpPr/>
-        <p:nvPr/>
-      </p:nvGrpSpPr>
-      <p:grpSpPr>
-        <a:xfrm>
-          <a:off x="0" y="0"/>
-          <a:ext cx="0" cy="0"/>
-          <a:chOff x="0" y="0"/>
-          <a:chExt cx="0" cy="0"/>
-        </a:xfrm>
-      </p:grpSpPr>
-      <p:sp>
-        <p:nvSpPr>
-          <p:cNvPr id="71" name="Google Shape;71;g3c6ab1e37b_0_0:notes"/>
-          <p:cNvSpPr>
-            <a:spLocks noGrp="1" noRot="1" noChangeAspect="1"/>
-          </p:cNvSpPr>
-          <p:nvPr>
-            <p:ph type="sldImg" idx="2"/>
-          </p:nvPr>
-        </p:nvSpPr>
-        <p:spPr>
-          <a:xfrm>
-            <a:off x="685800" y="1143000"/>
-            <a:ext cx="5486400" cy="3086100"/>
-          </a:xfrm>
-          <a:custGeom>
-            <a:avLst/>
-            <a:gdLst/>
-            <a:ahLst/>
-            <a:cxnLst/>
-            <a:rect l="l" t="t" r="r" b="b"/>
-            <a:pathLst>
-              <a:path w="120000" h="120000" extrusionOk="0">
-                <a:moveTo>
-                  <a:pt x="0" y="0"/>
-                </a:moveTo>
-                <a:lnTo>
-                  <a:pt x="120000" y="0"/>
-                </a:lnTo>
-                <a:lnTo>
-                  <a:pt x="120000" y="120000"/>
-                </a:lnTo>
-                <a:lnTo>
-                  <a:pt x="0" y="120000"/>
-                </a:lnTo>
-                <a:close/>
-              </a:path>
-            </a:pathLst>
-          </a:custGeom>
-        </p:spPr>
-      </p:sp>
-      <p:sp>
-        <p:nvSpPr>
-          <p:cNvPr id="72" name="Google Shape;72;g3c6ab1e37b_0_0:notes"/>
-          <p:cNvSpPr txBox="1">
-            <a:spLocks noGrp="1"/>
-          </p:cNvSpPr>
-          <p:nvPr>
-            <p:ph type="body" idx="1"/>
-          </p:nvPr>
-        </p:nvSpPr>
-        <p:spPr>
-          <a:xfrm>
-            <a:off x="685800" y="4400550"/>
-            <a:ext cx="5486400" cy="3600600"/>
-          </a:xfrm>
-          <a:prstGeom prst="rect">
-            <a:avLst/>
-          </a:prstGeom>
-        </p:spPr>
-        <p:txBody>
-          <a:bodyPr spcFirstLastPara="1" wrap="square" lIns="91425" tIns="91425" rIns="91425" bIns="91425" anchor="t" anchorCtr="0">
-            <a:noAutofit/>
-          </a:bodyPr>
-          <a:lstStyle/>
-          <a:p>
-            <a:pPr marL="0" lvl="0" indent="0" algn="l" rtl="0">
-              <a:spcBef>
-                <a:spcPts val="0"/>
-              </a:spcBef>
-              <a:spcAft>
-                <a:spcPts val="0"/>
-              </a:spcAft>
-              <a:buNone/>
-            </a:pPr>
-            <a:endParaRPr/>
-          </a:p>
-        </p:txBody>
-      </p:sp>
-      <p:sp>
-        <p:nvSpPr>
-          <p:cNvPr id="73" name="Google Shape;73;g3c6ab1e37b_0_0:notes"/>
-          <p:cNvSpPr txBox="1">
-            <a:spLocks noGrp="1"/>
-          </p:cNvSpPr>
-          <p:nvPr>
-            <p:ph type="sldNum" idx="12"/>
-          </p:nvPr>
-        </p:nvSpPr>
-        <p:spPr>
-          <a:xfrm>
-            <a:off x="3884613" y="8685213"/>
-            <a:ext cx="2971800" cy="458700"/>
-          </a:xfrm>
-          <a:prstGeom prst="rect">
-            <a:avLst/>
-          </a:prstGeom>
-        </p:spPr>
-        <p:txBody>
-          <a:bodyPr spcFirstLastPara="1" wrap="square" lIns="91425" tIns="45700" rIns="91425" bIns="45700" anchor="b" anchorCtr="0">
-            <a:noAutofit/>
-          </a:bodyPr>
-          <a:lstStyle/>
-          <a:p>
-            <a:pPr marL="0" lvl="0" indent="0" algn="r" rtl="0">
-              <a:spcBef>
-                <a:spcPts val="0"/>
-              </a:spcBef>
-              <a:spcAft>
-                <a:spcPts val="0"/>
-              </a:spcAft>
-              <a:buClr>
-                <a:srgbClr val="000000"/>
-              </a:buClr>
-              <a:buFont typeface="Arial"/>
-              <a:buNone/>
-            </a:pPr>
-            <a:fld id="{00000000-1234-1234-1234-123412341234}" type="slidenum">
-              <a:rPr lang="en-US"/>
-              <a:t>5</a:t>
-            </a:fld>
-            <a:endParaRPr/>
-          </a:p>
-        </p:txBody>
-      </p:sp>
-    </p:spTree>
-    <p:extLst>
-      <p:ext uri="{BB962C8B-B14F-4D97-AF65-F5344CB8AC3E}">
-        <p14:creationId xmlns:p14="http://schemas.microsoft.com/office/powerpoint/2010/main" val="3220862516"/>
-      </p:ext>
-    </p:extLst>
-  </p:cSld>
-  <p:clrMapOvr>
-    <a:masterClrMapping/>
-  </p:clrMapOvr>
-</p:notes>
-</file>
-
-<file path=ppt/notesSlides/notesSlide6.xml><?xml version="1.0" encoding="utf-8"?>
-<p:notes xmlns:a="http://schemas.openxmlformats.org/drawingml/2006/main" xmlns:r="http://schemas.openxmlformats.org/officeDocument/2006/relationships" xmlns:p="http://schemas.openxmlformats.org/presentationml/2006/main" showMasterSp="0" showMasterPhAnim="0">
-  <p:cSld>
-    <p:spTree>
-      <p:nvGrpSpPr>
         <p:cNvPr id="1" name="Shape 62"/>
         <p:cNvGrpSpPr/>
         <p:nvPr/>
@@ -4321,7 +4478,7 @@
                 <a:cs typeface="Calibri"/>
                 <a:sym typeface="Calibri"/>
               </a:rPr>
-              <a:t>6</a:t>
+              <a:t>5</a:t>
             </a:fld>
             <a:endParaRPr sz="1200" b="0" i="0" u="none" strike="noStrike" cap="none">
               <a:solidFill>
@@ -4338,7 +4495,162 @@
     </p:spTree>
     <p:extLst>
       <p:ext uri="{BB962C8B-B14F-4D97-AF65-F5344CB8AC3E}">
-        <p14:creationId xmlns:p14="http://schemas.microsoft.com/office/powerpoint/2010/main" val="4094656905"/>
+        <p14:creationId xmlns:p14="http://schemas.microsoft.com/office/powerpoint/2010/main" val="3268642588"/>
+      </p:ext>
+    </p:extLst>
+  </p:cSld>
+  <p:clrMapOvr>
+    <a:masterClrMapping/>
+  </p:clrMapOvr>
+</p:notes>
+</file>
+
+<file path=ppt/notesSlides/notesSlide6.xml><?xml version="1.0" encoding="utf-8"?>
+<p:notes xmlns:a="http://schemas.openxmlformats.org/drawingml/2006/main" xmlns:r="http://schemas.openxmlformats.org/officeDocument/2006/relationships" xmlns:p="http://schemas.openxmlformats.org/presentationml/2006/main" showMasterSp="0" showMasterPhAnim="0">
+  <p:cSld>
+    <p:spTree>
+      <p:nvGrpSpPr>
+        <p:cNvPr id="1" name="Shape 70"/>
+        <p:cNvGrpSpPr/>
+        <p:nvPr/>
+      </p:nvGrpSpPr>
+      <p:grpSpPr>
+        <a:xfrm>
+          <a:off x="0" y="0"/>
+          <a:ext cx="0" cy="0"/>
+          <a:chOff x="0" y="0"/>
+          <a:chExt cx="0" cy="0"/>
+        </a:xfrm>
+      </p:grpSpPr>
+      <p:sp>
+        <p:nvSpPr>
+          <p:cNvPr id="71" name="Google Shape;71;g3c6ab1e37b_0_0:notes"/>
+          <p:cNvSpPr>
+            <a:spLocks noGrp="1" noRot="1" noChangeAspect="1"/>
+          </p:cNvSpPr>
+          <p:nvPr>
+            <p:ph type="sldImg" idx="2"/>
+          </p:nvPr>
+        </p:nvSpPr>
+        <p:spPr>
+          <a:xfrm>
+            <a:off x="685800" y="1143000"/>
+            <a:ext cx="5486400" cy="3086100"/>
+          </a:xfrm>
+          <a:custGeom>
+            <a:avLst/>
+            <a:gdLst/>
+            <a:ahLst/>
+            <a:cxnLst/>
+            <a:rect l="l" t="t" r="r" b="b"/>
+            <a:pathLst>
+              <a:path w="120000" h="120000" extrusionOk="0">
+                <a:moveTo>
+                  <a:pt x="0" y="0"/>
+                </a:moveTo>
+                <a:lnTo>
+                  <a:pt x="120000" y="0"/>
+                </a:lnTo>
+                <a:lnTo>
+                  <a:pt x="120000" y="120000"/>
+                </a:lnTo>
+                <a:lnTo>
+                  <a:pt x="0" y="120000"/>
+                </a:lnTo>
+                <a:close/>
+              </a:path>
+            </a:pathLst>
+          </a:custGeom>
+        </p:spPr>
+      </p:sp>
+      <p:sp>
+        <p:nvSpPr>
+          <p:cNvPr id="72" name="Google Shape;72;g3c6ab1e37b_0_0:notes"/>
+          <p:cNvSpPr txBox="1">
+            <a:spLocks noGrp="1"/>
+          </p:cNvSpPr>
+          <p:nvPr>
+            <p:ph type="body" idx="1"/>
+          </p:nvPr>
+        </p:nvSpPr>
+        <p:spPr>
+          <a:xfrm>
+            <a:off x="685800" y="4400550"/>
+            <a:ext cx="5486400" cy="3600600"/>
+          </a:xfrm>
+          <a:prstGeom prst="rect">
+            <a:avLst/>
+          </a:prstGeom>
+        </p:spPr>
+        <p:txBody>
+          <a:bodyPr spcFirstLastPara="1" wrap="square" lIns="91425" tIns="91425" rIns="91425" bIns="91425" anchor="t" anchorCtr="0">
+            <a:noAutofit/>
+          </a:bodyPr>
+          <a:lstStyle/>
+          <a:p>
+            <a:pPr marL="0" lvl="0" indent="0" algn="l" rtl="0">
+              <a:spcBef>
+                <a:spcPts val="0"/>
+              </a:spcBef>
+              <a:spcAft>
+                <a:spcPts val="0"/>
+              </a:spcAft>
+              <a:buNone/>
+            </a:pPr>
+            <a:endParaRPr/>
+          </a:p>
+        </p:txBody>
+      </p:sp>
+      <p:sp>
+        <p:nvSpPr>
+          <p:cNvPr id="73" name="Google Shape;73;g3c6ab1e37b_0_0:notes"/>
+          <p:cNvSpPr txBox="1">
+            <a:spLocks noGrp="1"/>
+          </p:cNvSpPr>
+          <p:nvPr>
+            <p:ph type="sldNum" idx="12"/>
+          </p:nvPr>
+        </p:nvSpPr>
+        <p:spPr>
+          <a:xfrm>
+            <a:off x="3884613" y="8685213"/>
+            <a:ext cx="2971800" cy="458700"/>
+          </a:xfrm>
+          <a:prstGeom prst="rect">
+            <a:avLst/>
+          </a:prstGeom>
+        </p:spPr>
+        <p:txBody>
+          <a:bodyPr spcFirstLastPara="1" wrap="square" lIns="91425" tIns="45700" rIns="91425" bIns="45700" anchor="b" anchorCtr="0">
+            <a:noAutofit/>
+          </a:bodyPr>
+          <a:lstStyle/>
+          <a:p>
+            <a:pPr marL="0" lvl="0" indent="0" algn="r" rtl="0">
+              <a:spcBef>
+                <a:spcPts val="0"/>
+              </a:spcBef>
+              <a:spcAft>
+                <a:spcPts val="0"/>
+              </a:spcAft>
+              <a:buClr>
+                <a:srgbClr val="000000"/>
+              </a:buClr>
+              <a:buFont typeface="Arial"/>
+              <a:buNone/>
+            </a:pPr>
+            <a:fld id="{00000000-1234-1234-1234-123412341234}" type="slidenum">
+              <a:rPr lang="en-US"/>
+              <a:t>6</a:t>
+            </a:fld>
+            <a:endParaRPr/>
+          </a:p>
+        </p:txBody>
+      </p:sp>
+    </p:spTree>
+    <p:extLst>
+      <p:ext uri="{BB962C8B-B14F-4D97-AF65-F5344CB8AC3E}">
+        <p14:creationId xmlns:p14="http://schemas.microsoft.com/office/powerpoint/2010/main" val="3220862516"/>
       </p:ext>
     </p:extLst>
   </p:cSld>
@@ -4571,6 +4883,239 @@
     </p:spTree>
     <p:extLst>
       <p:ext uri="{BB962C8B-B14F-4D97-AF65-F5344CB8AC3E}">
+        <p14:creationId xmlns:p14="http://schemas.microsoft.com/office/powerpoint/2010/main" val="4094656905"/>
+      </p:ext>
+    </p:extLst>
+  </p:cSld>
+  <p:clrMapOvr>
+    <a:masterClrMapping/>
+  </p:clrMapOvr>
+</p:notes>
+</file>
+
+<file path=ppt/notesSlides/notesSlide8.xml><?xml version="1.0" encoding="utf-8"?>
+<p:notes xmlns:a="http://schemas.openxmlformats.org/drawingml/2006/main" xmlns:r="http://schemas.openxmlformats.org/officeDocument/2006/relationships" xmlns:p="http://schemas.openxmlformats.org/presentationml/2006/main" showMasterSp="0" showMasterPhAnim="0">
+  <p:cSld>
+    <p:spTree>
+      <p:nvGrpSpPr>
+        <p:cNvPr id="1" name="Shape 62"/>
+        <p:cNvGrpSpPr/>
+        <p:nvPr/>
+      </p:nvGrpSpPr>
+      <p:grpSpPr>
+        <a:xfrm>
+          <a:off x="0" y="0"/>
+          <a:ext cx="0" cy="0"/>
+          <a:chOff x="0" y="0"/>
+          <a:chExt cx="0" cy="0"/>
+        </a:xfrm>
+      </p:grpSpPr>
+      <p:sp>
+        <p:nvSpPr>
+          <p:cNvPr id="63" name="Google Shape;63;g221f1429d4_0_56:notes"/>
+          <p:cNvSpPr>
+            <a:spLocks noGrp="1" noRot="1" noChangeAspect="1"/>
+          </p:cNvSpPr>
+          <p:nvPr>
+            <p:ph type="sldImg" idx="2"/>
+          </p:nvPr>
+        </p:nvSpPr>
+        <p:spPr>
+          <a:xfrm>
+            <a:off x="685800" y="1143000"/>
+            <a:ext cx="5486400" cy="3086100"/>
+          </a:xfrm>
+          <a:custGeom>
+            <a:avLst/>
+            <a:gdLst/>
+            <a:ahLst/>
+            <a:cxnLst/>
+            <a:rect l="l" t="t" r="r" b="b"/>
+            <a:pathLst>
+              <a:path w="120000" h="120000" extrusionOk="0">
+                <a:moveTo>
+                  <a:pt x="0" y="0"/>
+                </a:moveTo>
+                <a:lnTo>
+                  <a:pt x="120000" y="0"/>
+                </a:lnTo>
+                <a:lnTo>
+                  <a:pt x="120000" y="120000"/>
+                </a:lnTo>
+                <a:lnTo>
+                  <a:pt x="0" y="120000"/>
+                </a:lnTo>
+                <a:close/>
+              </a:path>
+            </a:pathLst>
+          </a:custGeom>
+          <a:noFill/>
+          <a:ln w="12700" cap="flat" cmpd="sng">
+            <a:solidFill>
+              <a:srgbClr val="000000"/>
+            </a:solidFill>
+            <a:prstDash val="solid"/>
+            <a:round/>
+            <a:headEnd type="none" w="sm" len="sm"/>
+            <a:tailEnd type="none" w="sm" len="sm"/>
+          </a:ln>
+        </p:spPr>
+      </p:sp>
+      <p:sp>
+        <p:nvSpPr>
+          <p:cNvPr id="64" name="Google Shape;64;g221f1429d4_0_56:notes"/>
+          <p:cNvSpPr txBox="1">
+            <a:spLocks noGrp="1"/>
+          </p:cNvSpPr>
+          <p:nvPr>
+            <p:ph type="body" idx="1"/>
+          </p:nvPr>
+        </p:nvSpPr>
+        <p:spPr>
+          <a:xfrm>
+            <a:off x="685800" y="4400550"/>
+            <a:ext cx="5486400" cy="3600600"/>
+          </a:xfrm>
+          <a:prstGeom prst="rect">
+            <a:avLst/>
+          </a:prstGeom>
+          <a:noFill/>
+          <a:ln>
+            <a:noFill/>
+          </a:ln>
+        </p:spPr>
+        <p:txBody>
+          <a:bodyPr spcFirstLastPara="1" wrap="square" lIns="91425" tIns="45700" rIns="91425" bIns="45700" anchor="t" anchorCtr="0">
+            <a:noAutofit/>
+          </a:bodyPr>
+          <a:lstStyle/>
+          <a:p>
+            <a:pPr marL="0" marR="0" lvl="0" indent="0" algn="l" rtl="0">
+              <a:spcBef>
+                <a:spcPts val="0"/>
+              </a:spcBef>
+              <a:spcAft>
+                <a:spcPts val="0"/>
+              </a:spcAft>
+              <a:buNone/>
+            </a:pPr>
+            <a:r>
+              <a:rPr lang="en-US" dirty="0"/>
+              <a:t>ne machine that drew particular attention implemented an algorithm that </a:t>
+            </a:r>
+            <a:r>
+              <a:rPr lang="en-US" dirty="0" err="1"/>
+              <a:t>Luhn</a:t>
+            </a:r>
+            <a:r>
+              <a:rPr lang="en-US" dirty="0"/>
+              <a:t> called </a:t>
+            </a:r>
+            <a:r>
+              <a:rPr lang="en-US" dirty="0">
+                <a:hlinkClick r:id="rId3"/>
+              </a:rPr>
+              <a:t>KWIC, for Key Word in Context</a:t>
+            </a:r>
+            <a:r>
+              <a:rPr lang="en-US" dirty="0"/>
+              <a:t>. Taking in a large number of texts—typically, articles from 500 to 5,000 words in length—the KWIC system could quickly and automatically construct a kind of index.</a:t>
+            </a:r>
+          </a:p>
+          <a:p>
+            <a:pPr marL="0" marR="0" lvl="0" indent="0" algn="l" rtl="0">
+              <a:spcBef>
+                <a:spcPts val="0"/>
+              </a:spcBef>
+              <a:spcAft>
+                <a:spcPts val="0"/>
+              </a:spcAft>
+              <a:buNone/>
+            </a:pPr>
+            <a:endParaRPr lang="en-US" dirty="0"/>
+          </a:p>
+          <a:p>
+            <a:pPr marL="0" marR="0" lvl="0" indent="0" algn="l" rtl="0">
+              <a:spcBef>
+                <a:spcPts val="0"/>
+              </a:spcBef>
+              <a:spcAft>
+                <a:spcPts val="0"/>
+              </a:spcAft>
+              <a:buNone/>
+            </a:pPr>
+            <a:r>
+              <a:rPr lang="en-US" dirty="0"/>
+              <a:t>A Business Intelligence System</a:t>
+            </a:r>
+          </a:p>
+        </p:txBody>
+      </p:sp>
+      <p:sp>
+        <p:nvSpPr>
+          <p:cNvPr id="65" name="Google Shape;65;g221f1429d4_0_56:notes"/>
+          <p:cNvSpPr txBox="1">
+            <a:spLocks noGrp="1"/>
+          </p:cNvSpPr>
+          <p:nvPr>
+            <p:ph type="sldNum" idx="12"/>
+          </p:nvPr>
+        </p:nvSpPr>
+        <p:spPr>
+          <a:xfrm>
+            <a:off x="3884613" y="8685213"/>
+            <a:ext cx="2971800" cy="458700"/>
+          </a:xfrm>
+          <a:prstGeom prst="rect">
+            <a:avLst/>
+          </a:prstGeom>
+          <a:noFill/>
+          <a:ln>
+            <a:noFill/>
+          </a:ln>
+        </p:spPr>
+        <p:txBody>
+          <a:bodyPr spcFirstLastPara="1" wrap="square" lIns="91425" tIns="45700" rIns="91425" bIns="45700" anchor="b" anchorCtr="0">
+            <a:noAutofit/>
+          </a:bodyPr>
+          <a:lstStyle/>
+          <a:p>
+            <a:pPr marL="0" marR="0" lvl="0" indent="0" algn="r" rtl="0">
+              <a:spcBef>
+                <a:spcPts val="0"/>
+              </a:spcBef>
+              <a:spcAft>
+                <a:spcPts val="0"/>
+              </a:spcAft>
+              <a:buNone/>
+            </a:pPr>
+            <a:fld id="{00000000-1234-1234-1234-123412341234}" type="slidenum">
+              <a:rPr lang="en-US" sz="1200" b="0" i="0" u="none" strike="noStrike" cap="none">
+                <a:solidFill>
+                  <a:schemeClr val="dk1"/>
+                </a:solidFill>
+                <a:latin typeface="Calibri"/>
+                <a:ea typeface="Calibri"/>
+                <a:cs typeface="Calibri"/>
+                <a:sym typeface="Calibri"/>
+              </a:rPr>
+              <a:t>8</a:t>
+            </a:fld>
+            <a:endParaRPr sz="1200" b="0" i="0" u="none" strike="noStrike" cap="none">
+              <a:solidFill>
+                <a:schemeClr val="dk1"/>
+              </a:solidFill>
+              <a:latin typeface="Calibri"/>
+              <a:ea typeface="Calibri"/>
+              <a:cs typeface="Calibri"/>
+              <a:sym typeface="Calibri"/>
+            </a:endParaRPr>
+          </a:p>
+        </p:txBody>
+      </p:sp>
+    </p:spTree>
+    <p:extLst>
+      <p:ext uri="{BB962C8B-B14F-4D97-AF65-F5344CB8AC3E}">
         <p14:creationId xmlns:p14="http://schemas.microsoft.com/office/powerpoint/2010/main" val="1498362011"/>
       </p:ext>
     </p:extLst>
@@ -4581,7 +5126,7 @@
 </p:notes>
 </file>
 
-<file path=ppt/notesSlides/notesSlide8.xml><?xml version="1.0" encoding="utf-8"?>
+<file path=ppt/notesSlides/notesSlide9.xml><?xml version="1.0" encoding="utf-8"?>
 <p:notes xmlns:a="http://schemas.openxmlformats.org/drawingml/2006/main" xmlns:r="http://schemas.openxmlformats.org/officeDocument/2006/relationships" xmlns:p="http://schemas.openxmlformats.org/presentationml/2006/main" showMasterSp="0" showMasterPhAnim="0">
   <p:cSld>
     <p:spTree>
@@ -4717,7 +5262,7 @@
             </a:pPr>
             <a:fld id="{00000000-1234-1234-1234-123412341234}" type="slidenum">
               <a:rPr lang="en-US"/>
-              <a:t>8</a:t>
+              <a:t>9</a:t>
             </a:fld>
             <a:endParaRPr/>
           </a:p>
@@ -4727,161 +5272,6 @@
     <p:extLst>
       <p:ext uri="{BB962C8B-B14F-4D97-AF65-F5344CB8AC3E}">
         <p14:creationId xmlns:p14="http://schemas.microsoft.com/office/powerpoint/2010/main" val="2602444309"/>
-      </p:ext>
-    </p:extLst>
-  </p:cSld>
-  <p:clrMapOvr>
-    <a:masterClrMapping/>
-  </p:clrMapOvr>
-</p:notes>
-</file>
-
-<file path=ppt/notesSlides/notesSlide9.xml><?xml version="1.0" encoding="utf-8"?>
-<p:notes xmlns:a="http://schemas.openxmlformats.org/drawingml/2006/main" xmlns:r="http://schemas.openxmlformats.org/officeDocument/2006/relationships" xmlns:p="http://schemas.openxmlformats.org/presentationml/2006/main" showMasterSp="0" showMasterPhAnim="0">
-  <p:cSld>
-    <p:spTree>
-      <p:nvGrpSpPr>
-        <p:cNvPr id="1" name="Shape 77"/>
-        <p:cNvGrpSpPr/>
-        <p:nvPr/>
-      </p:nvGrpSpPr>
-      <p:grpSpPr>
-        <a:xfrm>
-          <a:off x="0" y="0"/>
-          <a:ext cx="0" cy="0"/>
-          <a:chOff x="0" y="0"/>
-          <a:chExt cx="0" cy="0"/>
-        </a:xfrm>
-      </p:grpSpPr>
-      <p:sp>
-        <p:nvSpPr>
-          <p:cNvPr id="78" name="Google Shape;78;g3c6ab1e37b_0_6:notes"/>
-          <p:cNvSpPr>
-            <a:spLocks noGrp="1" noRot="1" noChangeAspect="1"/>
-          </p:cNvSpPr>
-          <p:nvPr>
-            <p:ph type="sldImg" idx="2"/>
-          </p:nvPr>
-        </p:nvSpPr>
-        <p:spPr>
-          <a:xfrm>
-            <a:off x="685800" y="1143000"/>
-            <a:ext cx="5486400" cy="3086100"/>
-          </a:xfrm>
-          <a:custGeom>
-            <a:avLst/>
-            <a:gdLst/>
-            <a:ahLst/>
-            <a:cxnLst/>
-            <a:rect l="l" t="t" r="r" b="b"/>
-            <a:pathLst>
-              <a:path w="120000" h="120000" extrusionOk="0">
-                <a:moveTo>
-                  <a:pt x="0" y="0"/>
-                </a:moveTo>
-                <a:lnTo>
-                  <a:pt x="120000" y="0"/>
-                </a:lnTo>
-                <a:lnTo>
-                  <a:pt x="120000" y="120000"/>
-                </a:lnTo>
-                <a:lnTo>
-                  <a:pt x="0" y="120000"/>
-                </a:lnTo>
-                <a:close/>
-              </a:path>
-            </a:pathLst>
-          </a:custGeom>
-        </p:spPr>
-      </p:sp>
-      <p:sp>
-        <p:nvSpPr>
-          <p:cNvPr id="79" name="Google Shape;79;g3c6ab1e37b_0_6:notes"/>
-          <p:cNvSpPr txBox="1">
-            <a:spLocks noGrp="1"/>
-          </p:cNvSpPr>
-          <p:nvPr>
-            <p:ph type="body" idx="1"/>
-          </p:nvPr>
-        </p:nvSpPr>
-        <p:spPr>
-          <a:xfrm>
-            <a:off x="685800" y="4400550"/>
-            <a:ext cx="5486400" cy="3600600"/>
-          </a:xfrm>
-          <a:prstGeom prst="rect">
-            <a:avLst/>
-          </a:prstGeom>
-        </p:spPr>
-        <p:txBody>
-          <a:bodyPr spcFirstLastPara="1" wrap="square" lIns="91425" tIns="91425" rIns="91425" bIns="91425" anchor="t" anchorCtr="0">
-            <a:noAutofit/>
-          </a:bodyPr>
-          <a:lstStyle/>
-          <a:p>
-            <a:pPr marL="0" lvl="0" indent="0" algn="l" rtl="0">
-              <a:spcBef>
-                <a:spcPts val="0"/>
-              </a:spcBef>
-              <a:spcAft>
-                <a:spcPts val="0"/>
-              </a:spcAft>
-              <a:buNone/>
-            </a:pPr>
-            <a:endParaRPr dirty="0"/>
-          </a:p>
-        </p:txBody>
-      </p:sp>
-      <p:sp>
-        <p:nvSpPr>
-          <p:cNvPr id="80" name="Google Shape;80;g3c6ab1e37b_0_6:notes"/>
-          <p:cNvSpPr txBox="1">
-            <a:spLocks noGrp="1"/>
-          </p:cNvSpPr>
-          <p:nvPr>
-            <p:ph type="sldNum" idx="12"/>
-          </p:nvPr>
-        </p:nvSpPr>
-        <p:spPr>
-          <a:xfrm>
-            <a:off x="3884613" y="8685213"/>
-            <a:ext cx="2971800" cy="458700"/>
-          </a:xfrm>
-          <a:prstGeom prst="rect">
-            <a:avLst/>
-          </a:prstGeom>
-        </p:spPr>
-        <p:txBody>
-          <a:bodyPr spcFirstLastPara="1" wrap="square" lIns="91425" tIns="45700" rIns="91425" bIns="45700" anchor="b" anchorCtr="0">
-            <a:noAutofit/>
-          </a:bodyPr>
-          <a:lstStyle/>
-          <a:p>
-            <a:pPr marL="0" lvl="0" indent="0" algn="r" rtl="0">
-              <a:spcBef>
-                <a:spcPts val="0"/>
-              </a:spcBef>
-              <a:spcAft>
-                <a:spcPts val="0"/>
-              </a:spcAft>
-              <a:buClr>
-                <a:srgbClr val="000000"/>
-              </a:buClr>
-              <a:buFont typeface="Arial"/>
-              <a:buNone/>
-            </a:pPr>
-            <a:fld id="{00000000-1234-1234-1234-123412341234}" type="slidenum">
-              <a:rPr lang="en-US"/>
-              <a:t>9</a:t>
-            </a:fld>
-            <a:endParaRPr/>
-          </a:p>
-        </p:txBody>
-      </p:sp>
-    </p:spTree>
-    <p:extLst>
-      <p:ext uri="{BB962C8B-B14F-4D97-AF65-F5344CB8AC3E}">
-        <p14:creationId xmlns:p14="http://schemas.microsoft.com/office/powerpoint/2010/main" val="2301413036"/>
       </p:ext>
     </p:extLst>
   </p:cSld>
@@ -11280,6 +11670,69 @@
           <a:p>
             <a:r>
               <a:rPr lang="en-US" b="1" dirty="0"/>
+              <a:t>Simple Demo</a:t>
+            </a:r>
+            <a:endParaRPr dirty="0"/>
+          </a:p>
+        </p:txBody>
+      </p:sp>
+    </p:spTree>
+    <p:extLst>
+      <p:ext uri="{BB962C8B-B14F-4D97-AF65-F5344CB8AC3E}">
+        <p14:creationId xmlns:p14="http://schemas.microsoft.com/office/powerpoint/2010/main" val="2498775379"/>
+      </p:ext>
+    </p:extLst>
+  </p:cSld>
+  <p:clrMapOvr>
+    <a:masterClrMapping/>
+  </p:clrMapOvr>
+</p:sld>
+</file>
+
+<file path=ppt/slides/slide11.xml><?xml version="1.0" encoding="utf-8"?>
+<p:sld xmlns:a="http://schemas.openxmlformats.org/drawingml/2006/main" xmlns:r="http://schemas.openxmlformats.org/officeDocument/2006/relationships" xmlns:p="http://schemas.openxmlformats.org/presentationml/2006/main">
+  <p:cSld>
+    <p:spTree>
+      <p:nvGrpSpPr>
+        <p:cNvPr id="1" name="Shape 81"/>
+        <p:cNvGrpSpPr/>
+        <p:nvPr/>
+      </p:nvGrpSpPr>
+      <p:grpSpPr>
+        <a:xfrm>
+          <a:off x="0" y="0"/>
+          <a:ext cx="0" cy="0"/>
+          <a:chOff x="0" y="0"/>
+          <a:chExt cx="0" cy="0"/>
+        </a:xfrm>
+      </p:grpSpPr>
+      <p:sp>
+        <p:nvSpPr>
+          <p:cNvPr id="82" name="Google Shape;82;p15"/>
+          <p:cNvSpPr txBox="1">
+            <a:spLocks noGrp="1"/>
+          </p:cNvSpPr>
+          <p:nvPr>
+            <p:ph type="ctrTitle"/>
+          </p:nvPr>
+        </p:nvSpPr>
+        <p:spPr>
+          <a:xfrm>
+            <a:off x="1371600" y="1683544"/>
+            <a:ext cx="15544800" cy="3581400"/>
+          </a:xfrm>
+          <a:prstGeom prst="rect">
+            <a:avLst/>
+          </a:prstGeom>
+        </p:spPr>
+        <p:txBody>
+          <a:bodyPr spcFirstLastPara="1" wrap="square" lIns="167625" tIns="167625" rIns="167625" bIns="167625" anchor="b" anchorCtr="0">
+            <a:noAutofit/>
+          </a:bodyPr>
+          <a:lstStyle/>
+          <a:p>
+            <a:r>
+              <a:rPr lang="en-US" b="1" dirty="0"/>
               <a:t>Checking name conventions</a:t>
             </a:r>
             <a:endParaRPr dirty="0"/>
@@ -11299,7 +11752,74 @@
 </p:sld>
 </file>
 
-<file path=ppt/slides/slide11.xml><?xml version="1.0" encoding="utf-8"?>
+<file path=ppt/slides/slide12.xml><?xml version="1.0" encoding="utf-8"?>
+<p:sld xmlns:a="http://schemas.openxmlformats.org/drawingml/2006/main" xmlns:r="http://schemas.openxmlformats.org/officeDocument/2006/relationships" xmlns:p="http://schemas.openxmlformats.org/presentationml/2006/main">
+  <p:cSld>
+    <p:spTree>
+      <p:nvGrpSpPr>
+        <p:cNvPr id="1" name="Shape 81"/>
+        <p:cNvGrpSpPr/>
+        <p:nvPr/>
+      </p:nvGrpSpPr>
+      <p:grpSpPr>
+        <a:xfrm>
+          <a:off x="0" y="0"/>
+          <a:ext cx="0" cy="0"/>
+          <a:chOff x="0" y="0"/>
+          <a:chExt cx="0" cy="0"/>
+        </a:xfrm>
+      </p:grpSpPr>
+      <p:sp>
+        <p:nvSpPr>
+          <p:cNvPr id="82" name="Google Shape;82;p15"/>
+          <p:cNvSpPr txBox="1">
+            <a:spLocks noGrp="1"/>
+          </p:cNvSpPr>
+          <p:nvPr>
+            <p:ph type="ctrTitle"/>
+          </p:nvPr>
+        </p:nvSpPr>
+        <p:spPr>
+          <a:xfrm>
+            <a:off x="1371600" y="1683544"/>
+            <a:ext cx="15544800" cy="3581400"/>
+          </a:xfrm>
+          <a:prstGeom prst="rect">
+            <a:avLst/>
+          </a:prstGeom>
+        </p:spPr>
+        <p:txBody>
+          <a:bodyPr spcFirstLastPara="1" wrap="square" lIns="167625" tIns="167625" rIns="167625" bIns="167625" anchor="b" anchorCtr="0">
+            <a:noAutofit/>
+          </a:bodyPr>
+          <a:lstStyle/>
+          <a:p>
+            <a:r>
+              <a:rPr lang="en-US" b="1" dirty="0"/>
+              <a:t>Checking </a:t>
+            </a:r>
+            <a:r>
+              <a:rPr lang="en-US" b="1"/>
+              <a:t>package access</a:t>
+            </a:r>
+            <a:endParaRPr dirty="0"/>
+          </a:p>
+        </p:txBody>
+      </p:sp>
+    </p:spTree>
+    <p:extLst>
+      <p:ext uri="{BB962C8B-B14F-4D97-AF65-F5344CB8AC3E}">
+        <p14:creationId xmlns:p14="http://schemas.microsoft.com/office/powerpoint/2010/main" val="1284619345"/>
+      </p:ext>
+    </p:extLst>
+  </p:cSld>
+  <p:clrMapOvr>
+    <a:masterClrMapping/>
+  </p:clrMapOvr>
+</p:sld>
+</file>
+
+<file path=ppt/slides/slide13.xml><?xml version="1.0" encoding="utf-8"?>
 <p:sld xmlns:a="http://schemas.openxmlformats.org/drawingml/2006/main" xmlns:r="http://schemas.openxmlformats.org/officeDocument/2006/relationships" xmlns:p="http://schemas.openxmlformats.org/presentationml/2006/main">
   <p:cSld>
     <p:spTree>
@@ -11366,7 +11886,7 @@
 </p:sld>
 </file>
 
-<file path=ppt/slides/slide12.xml><?xml version="1.0" encoding="utf-8"?>
+<file path=ppt/slides/slide14.xml><?xml version="1.0" encoding="utf-8"?>
 <p:sld xmlns:a="http://schemas.openxmlformats.org/drawingml/2006/main" xmlns:r="http://schemas.openxmlformats.org/officeDocument/2006/relationships" xmlns:p="http://schemas.openxmlformats.org/presentationml/2006/main">
   <p:cSld>
     <p:spTree>
@@ -11429,7 +11949,7 @@
 </p:sld>
 </file>
 
-<file path=ppt/slides/slide13.xml><?xml version="1.0" encoding="utf-8"?>
+<file path=ppt/slides/slide15.xml><?xml version="1.0" encoding="utf-8"?>
 <p:sld xmlns:a="http://schemas.openxmlformats.org/drawingml/2006/main" xmlns:r="http://schemas.openxmlformats.org/officeDocument/2006/relationships" xmlns:p="http://schemas.openxmlformats.org/presentationml/2006/main">
   <p:cSld>
     <p:spTree>
@@ -11492,7 +12012,7 @@
 </p:sld>
 </file>
 
-<file path=ppt/slides/slide14.xml><?xml version="1.0" encoding="utf-8"?>
+<file path=ppt/slides/slide16.xml><?xml version="1.0" encoding="utf-8"?>
 <p:sld xmlns:a="http://schemas.openxmlformats.org/drawingml/2006/main" xmlns:r="http://schemas.openxmlformats.org/officeDocument/2006/relationships" xmlns:p="http://schemas.openxmlformats.org/presentationml/2006/main">
   <p:cSld>
     <p:spTree>
@@ -11559,7 +12079,7 @@
 </p:sld>
 </file>
 
-<file path=ppt/slides/slide15.xml><?xml version="1.0" encoding="utf-8"?>
+<file path=ppt/slides/slide17.xml><?xml version="1.0" encoding="utf-8"?>
 <p:sld xmlns:a="http://schemas.openxmlformats.org/drawingml/2006/main" xmlns:r="http://schemas.openxmlformats.org/officeDocument/2006/relationships" xmlns:p="http://schemas.openxmlformats.org/presentationml/2006/main">
   <p:cSld>
     <p:spTree>
@@ -11622,7 +12142,7 @@
 </p:sld>
 </file>
 
-<file path=ppt/slides/slide16.xml><?xml version="1.0" encoding="utf-8"?>
+<file path=ppt/slides/slide18.xml><?xml version="1.0" encoding="utf-8"?>
 <p:sld xmlns:a="http://schemas.openxmlformats.org/drawingml/2006/main" xmlns:r="http://schemas.openxmlformats.org/officeDocument/2006/relationships" xmlns:p="http://schemas.openxmlformats.org/presentationml/2006/main">
   <p:cSld>
     <p:spTree>
@@ -11693,7 +12213,7 @@
 </p:sld>
 </file>
 
-<file path=ppt/slides/slide17.xml><?xml version="1.0" encoding="utf-8"?>
+<file path=ppt/slides/slide19.xml><?xml version="1.0" encoding="utf-8"?>
 <p:sld xmlns:a="http://schemas.openxmlformats.org/drawingml/2006/main" xmlns:r="http://schemas.openxmlformats.org/officeDocument/2006/relationships" xmlns:p="http://schemas.openxmlformats.org/presentationml/2006/main">
   <p:cSld>
     <p:spTree>
@@ -11796,293 +12316,6 @@
         <p14:creationId xmlns:p14="http://schemas.microsoft.com/office/powerpoint/2010/main" val="4280851427"/>
       </p:ext>
     </p:extLst>
-  </p:cSld>
-  <p:clrMapOvr>
-    <a:masterClrMapping/>
-  </p:clrMapOvr>
-</p:sld>
-</file>
-
-<file path=ppt/slides/slide18.xml><?xml version="1.0" encoding="utf-8"?>
-<p:sld xmlns:a="http://schemas.openxmlformats.org/drawingml/2006/main" xmlns:r="http://schemas.openxmlformats.org/officeDocument/2006/relationships" xmlns:p="http://schemas.openxmlformats.org/presentationml/2006/main">
-  <p:cSld>
-    <p:spTree>
-      <p:nvGrpSpPr>
-        <p:cNvPr id="1" name="Shape 74"/>
-        <p:cNvGrpSpPr/>
-        <p:nvPr/>
-      </p:nvGrpSpPr>
-      <p:grpSpPr>
-        <a:xfrm>
-          <a:off x="0" y="0"/>
-          <a:ext cx="0" cy="0"/>
-          <a:chOff x="0" y="0"/>
-          <a:chExt cx="0" cy="0"/>
-        </a:xfrm>
-      </p:grpSpPr>
-      <p:sp>
-        <p:nvSpPr>
-          <p:cNvPr id="75" name="Google Shape;75;p14"/>
-          <p:cNvSpPr txBox="1">
-            <a:spLocks noGrp="1"/>
-          </p:cNvSpPr>
-          <p:nvPr>
-            <p:ph type="ctrTitle"/>
-          </p:nvPr>
-        </p:nvSpPr>
-        <p:spPr>
-          <a:xfrm>
-            <a:off x="1371600" y="1683544"/>
-            <a:ext cx="15544800" cy="3581400"/>
-          </a:xfrm>
-          <a:prstGeom prst="rect">
-            <a:avLst/>
-          </a:prstGeom>
-        </p:spPr>
-        <p:txBody>
-          <a:bodyPr spcFirstLastPara="1" wrap="square" lIns="167625" tIns="167625" rIns="167625" bIns="167625" anchor="b" anchorCtr="0">
-            <a:noAutofit/>
-          </a:bodyPr>
-          <a:lstStyle/>
-          <a:p>
-            <a:pPr marL="0" lvl="0" indent="0" algn="ctr" rtl="0">
-              <a:spcBef>
-                <a:spcPts val="0"/>
-              </a:spcBef>
-              <a:spcAft>
-                <a:spcPts val="0"/>
-              </a:spcAft>
-              <a:buNone/>
-            </a:pPr>
-            <a:r>
-              <a:rPr lang="en-US" b="1" dirty="0"/>
-              <a:t>Conclusion</a:t>
-            </a:r>
-            <a:endParaRPr b="1" dirty="0"/>
-          </a:p>
-        </p:txBody>
-      </p:sp>
-      <p:sp>
-        <p:nvSpPr>
-          <p:cNvPr id="76" name="Google Shape;76;p14"/>
-          <p:cNvSpPr txBox="1">
-            <a:spLocks noGrp="1"/>
-          </p:cNvSpPr>
-          <p:nvPr>
-            <p:ph type="subTitle" idx="1"/>
-          </p:nvPr>
-        </p:nvSpPr>
-        <p:spPr>
-          <a:xfrm>
-            <a:off x="2286000" y="5403057"/>
-            <a:ext cx="13716000" cy="2483700"/>
-          </a:xfrm>
-          <a:prstGeom prst="rect">
-            <a:avLst/>
-          </a:prstGeom>
-        </p:spPr>
-        <p:txBody>
-          <a:bodyPr spcFirstLastPara="1" wrap="square" lIns="167625" tIns="167625" rIns="167625" bIns="167625" anchor="t" anchorCtr="0">
-            <a:noAutofit/>
-          </a:bodyPr>
-          <a:lstStyle/>
-          <a:p>
-            <a:pPr marL="0" lvl="0" indent="0" algn="ctr" rtl="0">
-              <a:spcBef>
-                <a:spcPts val="1800"/>
-              </a:spcBef>
-              <a:spcAft>
-                <a:spcPts val="0"/>
-              </a:spcAft>
-              <a:buNone/>
-            </a:pPr>
-            <a:endParaRPr dirty="0"/>
-          </a:p>
-        </p:txBody>
-      </p:sp>
-    </p:spTree>
-    <p:extLst>
-      <p:ext uri="{BB962C8B-B14F-4D97-AF65-F5344CB8AC3E}">
-        <p14:creationId xmlns:p14="http://schemas.microsoft.com/office/powerpoint/2010/main" val="834711926"/>
-      </p:ext>
-    </p:extLst>
-  </p:cSld>
-  <p:clrMapOvr>
-    <a:masterClrMapping/>
-  </p:clrMapOvr>
-</p:sld>
-</file>
-
-<file path=ppt/slides/slide19.xml><?xml version="1.0" encoding="utf-8"?>
-<p:sld xmlns:a="http://schemas.openxmlformats.org/drawingml/2006/main" xmlns:r="http://schemas.openxmlformats.org/officeDocument/2006/relationships" xmlns:p="http://schemas.openxmlformats.org/presentationml/2006/main">
-  <p:cSld>
-    <p:spTree>
-      <p:nvGrpSpPr>
-        <p:cNvPr id="1" name="Shape 96"/>
-        <p:cNvGrpSpPr/>
-        <p:nvPr/>
-      </p:nvGrpSpPr>
-      <p:grpSpPr>
-        <a:xfrm>
-          <a:off x="0" y="0"/>
-          <a:ext cx="0" cy="0"/>
-          <a:chOff x="0" y="0"/>
-          <a:chExt cx="0" cy="0"/>
-        </a:xfrm>
-      </p:grpSpPr>
-      <p:sp>
-        <p:nvSpPr>
-          <p:cNvPr id="97" name="Google Shape;97;p17"/>
-          <p:cNvSpPr txBox="1">
-            <a:spLocks noGrp="1"/>
-          </p:cNvSpPr>
-          <p:nvPr>
-            <p:ph type="title"/>
-          </p:nvPr>
-        </p:nvSpPr>
-        <p:spPr>
-          <a:xfrm>
-            <a:off x="2041625" y="88275"/>
-            <a:ext cx="15773400" cy="1366500"/>
-          </a:xfrm>
-          <a:prstGeom prst="rect">
-            <a:avLst/>
-          </a:prstGeom>
-        </p:spPr>
-        <p:txBody>
-          <a:bodyPr spcFirstLastPara="1" wrap="square" lIns="167625" tIns="167625" rIns="167625" bIns="167625" anchor="ctr" anchorCtr="0">
-            <a:noAutofit/>
-          </a:bodyPr>
-          <a:lstStyle/>
-          <a:p>
-            <a:pPr marL="0" lvl="0" indent="0" algn="l" rtl="0">
-              <a:spcBef>
-                <a:spcPts val="0"/>
-              </a:spcBef>
-              <a:spcAft>
-                <a:spcPts val="0"/>
-              </a:spcAft>
-              <a:buNone/>
-            </a:pPr>
-            <a:r>
-              <a:rPr lang="en-US" dirty="0"/>
-              <a:t>Questions?</a:t>
-            </a:r>
-            <a:endParaRPr dirty="0"/>
-          </a:p>
-        </p:txBody>
-      </p:sp>
-      <p:sp>
-        <p:nvSpPr>
-          <p:cNvPr id="98" name="Google Shape;98;p17"/>
-          <p:cNvSpPr txBox="1">
-            <a:spLocks noGrp="1"/>
-          </p:cNvSpPr>
-          <p:nvPr>
-            <p:ph type="sldNum" idx="12"/>
-          </p:nvPr>
-        </p:nvSpPr>
-        <p:spPr>
-          <a:xfrm>
-            <a:off x="14173200" y="995238"/>
-            <a:ext cx="4114800" cy="547800"/>
-          </a:xfrm>
-          <a:prstGeom prst="rect">
-            <a:avLst/>
-          </a:prstGeom>
-        </p:spPr>
-        <p:txBody>
-          <a:bodyPr spcFirstLastPara="1" wrap="square" lIns="167625" tIns="83775" rIns="167625" bIns="83775" anchor="ctr" anchorCtr="0">
-            <a:noAutofit/>
-          </a:bodyPr>
-          <a:lstStyle/>
-          <a:p>
-            <a:pPr marL="0" lvl="0" indent="0" algn="r" rtl="0">
-              <a:spcBef>
-                <a:spcPts val="0"/>
-              </a:spcBef>
-              <a:spcAft>
-                <a:spcPts val="0"/>
-              </a:spcAft>
-              <a:buClr>
-                <a:srgbClr val="000000"/>
-              </a:buClr>
-              <a:buFont typeface="Arial"/>
-              <a:buNone/>
-            </a:pPr>
-            <a:fld id="{00000000-1234-1234-1234-123412341234}" type="slidenum">
-              <a:rPr lang="en-US"/>
-              <a:t>19</a:t>
-            </a:fld>
-            <a:endParaRPr/>
-          </a:p>
-        </p:txBody>
-      </p:sp>
-      <p:sp>
-        <p:nvSpPr>
-          <p:cNvPr id="99" name="Google Shape;99;p17"/>
-          <p:cNvSpPr txBox="1">
-            <a:spLocks noGrp="1"/>
-          </p:cNvSpPr>
-          <p:nvPr>
-            <p:ph type="body" idx="1"/>
-          </p:nvPr>
-        </p:nvSpPr>
-        <p:spPr>
-          <a:xfrm>
-            <a:off x="1162050" y="2553074"/>
-            <a:ext cx="15963900" cy="6869100"/>
-          </a:xfrm>
-          <a:prstGeom prst="rect">
-            <a:avLst/>
-          </a:prstGeom>
-          <a:noFill/>
-          <a:ln>
-            <a:noFill/>
-          </a:ln>
-        </p:spPr>
-        <p:txBody>
-          <a:bodyPr spcFirstLastPara="1" wrap="square" lIns="167625" tIns="83775" rIns="167625" bIns="83775" anchor="t" anchorCtr="0">
-            <a:noAutofit/>
-          </a:bodyPr>
-          <a:lstStyle/>
-          <a:p>
-            <a:pPr marL="0" marR="0" lvl="0" indent="0" algn="ctr" rtl="0">
-              <a:lnSpc>
-                <a:spcPct val="90000"/>
-              </a:lnSpc>
-              <a:spcBef>
-                <a:spcPts val="0"/>
-              </a:spcBef>
-              <a:spcAft>
-                <a:spcPts val="0"/>
-              </a:spcAft>
-              <a:buNone/>
-            </a:pPr>
-            <a:r>
-              <a:rPr lang="en-US" sz="40000" dirty="0"/>
-              <a:t>?</a:t>
-            </a:r>
-            <a:endParaRPr sz="40000" dirty="0"/>
-          </a:p>
-          <a:p>
-            <a:pPr marL="0" marR="0" lvl="0" indent="0" algn="ctr" rtl="0">
-              <a:lnSpc>
-                <a:spcPct val="90000"/>
-              </a:lnSpc>
-              <a:spcBef>
-                <a:spcPts val="0"/>
-              </a:spcBef>
-              <a:spcAft>
-                <a:spcPts val="0"/>
-              </a:spcAft>
-              <a:buNone/>
-            </a:pPr>
-            <a:endParaRPr sz="40000" dirty="0"/>
-          </a:p>
-        </p:txBody>
-      </p:sp>
-    </p:spTree>
   </p:cSld>
   <p:clrMapOvr>
     <a:masterClrMapping/>
@@ -12768,6 +13001,293 @@
   <p:cSld>
     <p:spTree>
       <p:nvGrpSpPr>
+        <p:cNvPr id="1" name="Shape 74"/>
+        <p:cNvGrpSpPr/>
+        <p:nvPr/>
+      </p:nvGrpSpPr>
+      <p:grpSpPr>
+        <a:xfrm>
+          <a:off x="0" y="0"/>
+          <a:ext cx="0" cy="0"/>
+          <a:chOff x="0" y="0"/>
+          <a:chExt cx="0" cy="0"/>
+        </a:xfrm>
+      </p:grpSpPr>
+      <p:sp>
+        <p:nvSpPr>
+          <p:cNvPr id="75" name="Google Shape;75;p14"/>
+          <p:cNvSpPr txBox="1">
+            <a:spLocks noGrp="1"/>
+          </p:cNvSpPr>
+          <p:nvPr>
+            <p:ph type="ctrTitle"/>
+          </p:nvPr>
+        </p:nvSpPr>
+        <p:spPr>
+          <a:xfrm>
+            <a:off x="1371600" y="1683544"/>
+            <a:ext cx="15544800" cy="3581400"/>
+          </a:xfrm>
+          <a:prstGeom prst="rect">
+            <a:avLst/>
+          </a:prstGeom>
+        </p:spPr>
+        <p:txBody>
+          <a:bodyPr spcFirstLastPara="1" wrap="square" lIns="167625" tIns="167625" rIns="167625" bIns="167625" anchor="b" anchorCtr="0">
+            <a:noAutofit/>
+          </a:bodyPr>
+          <a:lstStyle/>
+          <a:p>
+            <a:pPr marL="0" lvl="0" indent="0" algn="ctr" rtl="0">
+              <a:spcBef>
+                <a:spcPts val="0"/>
+              </a:spcBef>
+              <a:spcAft>
+                <a:spcPts val="0"/>
+              </a:spcAft>
+              <a:buNone/>
+            </a:pPr>
+            <a:r>
+              <a:rPr lang="en-US" b="1" dirty="0"/>
+              <a:t>Conclusion</a:t>
+            </a:r>
+            <a:endParaRPr b="1" dirty="0"/>
+          </a:p>
+        </p:txBody>
+      </p:sp>
+      <p:sp>
+        <p:nvSpPr>
+          <p:cNvPr id="76" name="Google Shape;76;p14"/>
+          <p:cNvSpPr txBox="1">
+            <a:spLocks noGrp="1"/>
+          </p:cNvSpPr>
+          <p:nvPr>
+            <p:ph type="subTitle" idx="1"/>
+          </p:nvPr>
+        </p:nvSpPr>
+        <p:spPr>
+          <a:xfrm>
+            <a:off x="2286000" y="5403057"/>
+            <a:ext cx="13716000" cy="2483700"/>
+          </a:xfrm>
+          <a:prstGeom prst="rect">
+            <a:avLst/>
+          </a:prstGeom>
+        </p:spPr>
+        <p:txBody>
+          <a:bodyPr spcFirstLastPara="1" wrap="square" lIns="167625" tIns="167625" rIns="167625" bIns="167625" anchor="t" anchorCtr="0">
+            <a:noAutofit/>
+          </a:bodyPr>
+          <a:lstStyle/>
+          <a:p>
+            <a:pPr marL="0" lvl="0" indent="0" algn="ctr" rtl="0">
+              <a:spcBef>
+                <a:spcPts val="1800"/>
+              </a:spcBef>
+              <a:spcAft>
+                <a:spcPts val="0"/>
+              </a:spcAft>
+              <a:buNone/>
+            </a:pPr>
+            <a:endParaRPr dirty="0"/>
+          </a:p>
+        </p:txBody>
+      </p:sp>
+    </p:spTree>
+    <p:extLst>
+      <p:ext uri="{BB962C8B-B14F-4D97-AF65-F5344CB8AC3E}">
+        <p14:creationId xmlns:p14="http://schemas.microsoft.com/office/powerpoint/2010/main" val="834711926"/>
+      </p:ext>
+    </p:extLst>
+  </p:cSld>
+  <p:clrMapOvr>
+    <a:masterClrMapping/>
+  </p:clrMapOvr>
+</p:sld>
+</file>
+
+<file path=ppt/slides/slide21.xml><?xml version="1.0" encoding="utf-8"?>
+<p:sld xmlns:a="http://schemas.openxmlformats.org/drawingml/2006/main" xmlns:r="http://schemas.openxmlformats.org/officeDocument/2006/relationships" xmlns:p="http://schemas.openxmlformats.org/presentationml/2006/main">
+  <p:cSld>
+    <p:spTree>
+      <p:nvGrpSpPr>
+        <p:cNvPr id="1" name="Shape 96"/>
+        <p:cNvGrpSpPr/>
+        <p:nvPr/>
+      </p:nvGrpSpPr>
+      <p:grpSpPr>
+        <a:xfrm>
+          <a:off x="0" y="0"/>
+          <a:ext cx="0" cy="0"/>
+          <a:chOff x="0" y="0"/>
+          <a:chExt cx="0" cy="0"/>
+        </a:xfrm>
+      </p:grpSpPr>
+      <p:sp>
+        <p:nvSpPr>
+          <p:cNvPr id="97" name="Google Shape;97;p17"/>
+          <p:cNvSpPr txBox="1">
+            <a:spLocks noGrp="1"/>
+          </p:cNvSpPr>
+          <p:nvPr>
+            <p:ph type="title"/>
+          </p:nvPr>
+        </p:nvSpPr>
+        <p:spPr>
+          <a:xfrm>
+            <a:off x="2041625" y="88275"/>
+            <a:ext cx="15773400" cy="1366500"/>
+          </a:xfrm>
+          <a:prstGeom prst="rect">
+            <a:avLst/>
+          </a:prstGeom>
+        </p:spPr>
+        <p:txBody>
+          <a:bodyPr spcFirstLastPara="1" wrap="square" lIns="167625" tIns="167625" rIns="167625" bIns="167625" anchor="ctr" anchorCtr="0">
+            <a:noAutofit/>
+          </a:bodyPr>
+          <a:lstStyle/>
+          <a:p>
+            <a:pPr marL="0" lvl="0" indent="0" algn="l" rtl="0">
+              <a:spcBef>
+                <a:spcPts val="0"/>
+              </a:spcBef>
+              <a:spcAft>
+                <a:spcPts val="0"/>
+              </a:spcAft>
+              <a:buNone/>
+            </a:pPr>
+            <a:r>
+              <a:rPr lang="en-US" dirty="0"/>
+              <a:t>Questions?</a:t>
+            </a:r>
+            <a:endParaRPr dirty="0"/>
+          </a:p>
+        </p:txBody>
+      </p:sp>
+      <p:sp>
+        <p:nvSpPr>
+          <p:cNvPr id="98" name="Google Shape;98;p17"/>
+          <p:cNvSpPr txBox="1">
+            <a:spLocks noGrp="1"/>
+          </p:cNvSpPr>
+          <p:nvPr>
+            <p:ph type="sldNum" idx="12"/>
+          </p:nvPr>
+        </p:nvSpPr>
+        <p:spPr>
+          <a:xfrm>
+            <a:off x="14173200" y="995238"/>
+            <a:ext cx="4114800" cy="547800"/>
+          </a:xfrm>
+          <a:prstGeom prst="rect">
+            <a:avLst/>
+          </a:prstGeom>
+        </p:spPr>
+        <p:txBody>
+          <a:bodyPr spcFirstLastPara="1" wrap="square" lIns="167625" tIns="83775" rIns="167625" bIns="83775" anchor="ctr" anchorCtr="0">
+            <a:noAutofit/>
+          </a:bodyPr>
+          <a:lstStyle/>
+          <a:p>
+            <a:pPr marL="0" lvl="0" indent="0" algn="r" rtl="0">
+              <a:spcBef>
+                <a:spcPts val="0"/>
+              </a:spcBef>
+              <a:spcAft>
+                <a:spcPts val="0"/>
+              </a:spcAft>
+              <a:buClr>
+                <a:srgbClr val="000000"/>
+              </a:buClr>
+              <a:buFont typeface="Arial"/>
+              <a:buNone/>
+            </a:pPr>
+            <a:fld id="{00000000-1234-1234-1234-123412341234}" type="slidenum">
+              <a:rPr lang="en-US"/>
+              <a:t>21</a:t>
+            </a:fld>
+            <a:endParaRPr/>
+          </a:p>
+        </p:txBody>
+      </p:sp>
+      <p:sp>
+        <p:nvSpPr>
+          <p:cNvPr id="99" name="Google Shape;99;p17"/>
+          <p:cNvSpPr txBox="1">
+            <a:spLocks noGrp="1"/>
+          </p:cNvSpPr>
+          <p:nvPr>
+            <p:ph type="body" idx="1"/>
+          </p:nvPr>
+        </p:nvSpPr>
+        <p:spPr>
+          <a:xfrm>
+            <a:off x="1162050" y="2553074"/>
+            <a:ext cx="15963900" cy="6869100"/>
+          </a:xfrm>
+          <a:prstGeom prst="rect">
+            <a:avLst/>
+          </a:prstGeom>
+          <a:noFill/>
+          <a:ln>
+            <a:noFill/>
+          </a:ln>
+        </p:spPr>
+        <p:txBody>
+          <a:bodyPr spcFirstLastPara="1" wrap="square" lIns="167625" tIns="83775" rIns="167625" bIns="83775" anchor="t" anchorCtr="0">
+            <a:noAutofit/>
+          </a:bodyPr>
+          <a:lstStyle/>
+          <a:p>
+            <a:pPr marL="0" marR="0" lvl="0" indent="0" algn="ctr" rtl="0">
+              <a:lnSpc>
+                <a:spcPct val="90000"/>
+              </a:lnSpc>
+              <a:spcBef>
+                <a:spcPts val="0"/>
+              </a:spcBef>
+              <a:spcAft>
+                <a:spcPts val="0"/>
+              </a:spcAft>
+              <a:buNone/>
+            </a:pPr>
+            <a:r>
+              <a:rPr lang="en-US" sz="40000" dirty="0"/>
+              <a:t>?</a:t>
+            </a:r>
+            <a:endParaRPr sz="40000" dirty="0"/>
+          </a:p>
+          <a:p>
+            <a:pPr marL="0" marR="0" lvl="0" indent="0" algn="ctr" rtl="0">
+              <a:lnSpc>
+                <a:spcPct val="90000"/>
+              </a:lnSpc>
+              <a:spcBef>
+                <a:spcPts val="0"/>
+              </a:spcBef>
+              <a:spcAft>
+                <a:spcPts val="0"/>
+              </a:spcAft>
+              <a:buNone/>
+            </a:pPr>
+            <a:endParaRPr sz="40000" dirty="0"/>
+          </a:p>
+        </p:txBody>
+      </p:sp>
+    </p:spTree>
+  </p:cSld>
+  <p:clrMapOvr>
+    <a:masterClrMapping/>
+  </p:clrMapOvr>
+</p:sld>
+</file>
+
+<file path=ppt/slides/slide22.xml><?xml version="1.0" encoding="utf-8"?>
+<p:sld xmlns:a="http://schemas.openxmlformats.org/drawingml/2006/main" xmlns:r="http://schemas.openxmlformats.org/officeDocument/2006/relationships" xmlns:p="http://schemas.openxmlformats.org/presentationml/2006/main">
+  <p:cSld>
+    <p:spTree>
+      <p:nvGrpSpPr>
         <p:cNvPr id="1" name="Shape 66"/>
         <p:cNvGrpSpPr/>
         <p:nvPr/>
@@ -12885,7 +13405,7 @@
             </a:pPr>
             <a:fld id="{00000000-1234-1234-1234-123412341234}" type="slidenum">
               <a:rPr lang="en-US"/>
-              <a:t>20</a:t>
+              <a:t>22</a:t>
             </a:fld>
             <a:endParaRPr/>
           </a:p>
@@ -13304,7 +13824,7 @@
 </p:sld>
 </file>
 
-<file path=ppt/slides/slide21.xml><?xml version="1.0" encoding="utf-8"?>
+<file path=ppt/slides/slide23.xml><?xml version="1.0" encoding="utf-8"?>
 <p:sld xmlns:a="http://schemas.openxmlformats.org/drawingml/2006/main" xmlns:r="http://schemas.openxmlformats.org/officeDocument/2006/relationships" xmlns:p="http://schemas.openxmlformats.org/presentationml/2006/main">
   <p:cSld>
     <p:spTree>
@@ -13634,124 +14154,6 @@
   <p:cSld>
     <p:spTree>
       <p:nvGrpSpPr>
-        <p:cNvPr id="1" name="Shape 74"/>
-        <p:cNvGrpSpPr/>
-        <p:nvPr/>
-      </p:nvGrpSpPr>
-      <p:grpSpPr>
-        <a:xfrm>
-          <a:off x="0" y="0"/>
-          <a:ext cx="0" cy="0"/>
-          <a:chOff x="0" y="0"/>
-          <a:chExt cx="0" cy="0"/>
-        </a:xfrm>
-      </p:grpSpPr>
-      <p:sp>
-        <p:nvSpPr>
-          <p:cNvPr id="75" name="Google Shape;75;p14"/>
-          <p:cNvSpPr txBox="1">
-            <a:spLocks noGrp="1"/>
-          </p:cNvSpPr>
-          <p:nvPr>
-            <p:ph type="ctrTitle"/>
-          </p:nvPr>
-        </p:nvSpPr>
-        <p:spPr>
-          <a:xfrm>
-            <a:off x="1371600" y="1683544"/>
-            <a:ext cx="15544800" cy="3581400"/>
-          </a:xfrm>
-          <a:prstGeom prst="rect">
-            <a:avLst/>
-          </a:prstGeom>
-        </p:spPr>
-        <p:txBody>
-          <a:bodyPr spcFirstLastPara="1" wrap="square" lIns="167625" tIns="167625" rIns="167625" bIns="167625" anchor="b" anchorCtr="0">
-            <a:noAutofit/>
-          </a:bodyPr>
-          <a:lstStyle/>
-          <a:p>
-            <a:pPr marL="0" lvl="0" indent="0" algn="ctr" rtl="0">
-              <a:spcBef>
-                <a:spcPts val="0"/>
-              </a:spcBef>
-              <a:spcAft>
-                <a:spcPts val="0"/>
-              </a:spcAft>
-              <a:buNone/>
-            </a:pPr>
-            <a:r>
-              <a:rPr lang="en-US" dirty="0" err="1"/>
-              <a:t>ArchUnit</a:t>
-            </a:r>
-            <a:r>
-              <a:rPr lang="en-US" dirty="0"/>
-              <a:t> and </a:t>
-            </a:r>
-            <a:r>
-              <a:rPr lang="en-US" dirty="0" err="1"/>
-              <a:t>jQAssitant</a:t>
-            </a:r>
-            <a:endParaRPr dirty="0"/>
-          </a:p>
-        </p:txBody>
-      </p:sp>
-      <p:sp>
-        <p:nvSpPr>
-          <p:cNvPr id="76" name="Google Shape;76;p14"/>
-          <p:cNvSpPr txBox="1">
-            <a:spLocks noGrp="1"/>
-          </p:cNvSpPr>
-          <p:nvPr>
-            <p:ph type="subTitle" idx="1"/>
-          </p:nvPr>
-        </p:nvSpPr>
-        <p:spPr>
-          <a:xfrm>
-            <a:off x="2286000" y="5403057"/>
-            <a:ext cx="13716000" cy="2483700"/>
-          </a:xfrm>
-          <a:prstGeom prst="rect">
-            <a:avLst/>
-          </a:prstGeom>
-        </p:spPr>
-        <p:txBody>
-          <a:bodyPr spcFirstLastPara="1" wrap="square" lIns="167625" tIns="167625" rIns="167625" bIns="167625" anchor="t" anchorCtr="0">
-            <a:noAutofit/>
-          </a:bodyPr>
-          <a:lstStyle/>
-          <a:p>
-            <a:pPr marL="0" lvl="0" indent="0" algn="ctr" rtl="0">
-              <a:spcBef>
-                <a:spcPts val="1800"/>
-              </a:spcBef>
-              <a:spcAft>
-                <a:spcPts val="0"/>
-              </a:spcAft>
-              <a:buNone/>
-            </a:pPr>
-            <a:endParaRPr dirty="0"/>
-          </a:p>
-        </p:txBody>
-      </p:sp>
-    </p:spTree>
-    <p:extLst>
-      <p:ext uri="{BB962C8B-B14F-4D97-AF65-F5344CB8AC3E}">
-        <p14:creationId xmlns:p14="http://schemas.microsoft.com/office/powerpoint/2010/main" val="4030055310"/>
-      </p:ext>
-    </p:extLst>
-  </p:cSld>
-  <p:clrMapOvr>
-    <a:masterClrMapping/>
-  </p:clrMapOvr>
-</p:sld>
-</file>
-
-<file path=ppt/slides/slide6.xml><?xml version="1.0" encoding="utf-8"?>
-<p:sld xmlns:a="http://schemas.openxmlformats.org/drawingml/2006/main" xmlns:r="http://schemas.openxmlformats.org/officeDocument/2006/relationships" xmlns:p="http://schemas.openxmlformats.org/presentationml/2006/main">
-  <p:cSld>
-    <p:spTree>
-      <p:nvGrpSpPr>
         <p:cNvPr id="1" name="Shape 66"/>
         <p:cNvGrpSpPr/>
         <p:nvPr/>
@@ -13869,7 +14271,652 @@
             </a:pPr>
             <a:fld id="{00000000-1234-1234-1234-123412341234}" type="slidenum">
               <a:rPr lang="en-US"/>
-              <a:t>6</a:t>
+              <a:t>5</a:t>
+            </a:fld>
+            <a:endParaRPr/>
+          </a:p>
+        </p:txBody>
+      </p:sp>
+      <p:sp>
+        <p:nvSpPr>
+          <p:cNvPr id="6" name="Google Shape;89;p16">
+            <a:extLst>
+              <a:ext uri="{FF2B5EF4-FFF2-40B4-BE49-F238E27FC236}">
+                <a16:creationId xmlns:a16="http://schemas.microsoft.com/office/drawing/2014/main" id="{2FF8D9C4-7CD0-4198-9B76-71EEE78345A6}"/>
+              </a:ext>
+            </a:extLst>
+          </p:cNvPr>
+          <p:cNvSpPr txBox="1">
+            <a:spLocks/>
+          </p:cNvSpPr>
+          <p:nvPr/>
+        </p:nvSpPr>
+        <p:spPr>
+          <a:xfrm>
+            <a:off x="2041625" y="88275"/>
+            <a:ext cx="15773400" cy="1366500"/>
+          </a:xfrm>
+          <a:prstGeom prst="rect">
+            <a:avLst/>
+          </a:prstGeom>
+          <a:noFill/>
+          <a:ln>
+            <a:noFill/>
+          </a:ln>
+        </p:spPr>
+        <p:txBody>
+          <a:bodyPr spcFirstLastPara="1" wrap="square" lIns="167625" tIns="83775" rIns="167625" bIns="83775" anchor="ctr" anchorCtr="0">
+            <a:noAutofit/>
+          </a:bodyPr>
+          <a:lstStyle>
+            <a:defPPr marR="0" lvl="0" algn="l" rtl="0">
+              <a:lnSpc>
+                <a:spcPct val="100000"/>
+              </a:lnSpc>
+              <a:spcBef>
+                <a:spcPts val="0"/>
+              </a:spcBef>
+              <a:spcAft>
+                <a:spcPts val="0"/>
+              </a:spcAft>
+            </a:defPPr>
+            <a:lvl1pPr marL="0" marR="0" lvl="0" indent="0" algn="l" rtl="0">
+              <a:lnSpc>
+                <a:spcPct val="90000"/>
+              </a:lnSpc>
+              <a:spcBef>
+                <a:spcPts val="0"/>
+              </a:spcBef>
+              <a:spcAft>
+                <a:spcPts val="0"/>
+              </a:spcAft>
+              <a:buClr>
+                <a:schemeClr val="lt1"/>
+              </a:buClr>
+              <a:buSzPts val="2600"/>
+              <a:buFont typeface="Lato"/>
+              <a:buNone/>
+              <a:defRPr sz="4400" b="0" i="0" u="none" strike="noStrike" cap="none">
+                <a:solidFill>
+                  <a:schemeClr val="lt1"/>
+                </a:solidFill>
+                <a:latin typeface="Lato"/>
+                <a:ea typeface="Lato"/>
+                <a:cs typeface="Lato"/>
+                <a:sym typeface="Lato"/>
+              </a:defRPr>
+            </a:lvl1pPr>
+            <a:lvl2pPr marR="0" lvl="1" indent="0" algn="l" rtl="0">
+              <a:lnSpc>
+                <a:spcPct val="100000"/>
+              </a:lnSpc>
+              <a:spcBef>
+                <a:spcPts val="0"/>
+              </a:spcBef>
+              <a:spcAft>
+                <a:spcPts val="0"/>
+              </a:spcAft>
+              <a:buClr>
+                <a:srgbClr val="000000"/>
+              </a:buClr>
+              <a:buSzPts val="2600"/>
+              <a:buFont typeface="Arial"/>
+              <a:buNone/>
+              <a:defRPr sz="3300" b="0" i="0" u="none" strike="noStrike" cap="none">
+                <a:solidFill>
+                  <a:srgbClr val="000000"/>
+                </a:solidFill>
+                <a:latin typeface="Arial"/>
+                <a:ea typeface="Arial"/>
+                <a:cs typeface="Arial"/>
+                <a:sym typeface="Arial"/>
+              </a:defRPr>
+            </a:lvl2pPr>
+            <a:lvl3pPr marR="0" lvl="2" indent="0" algn="l" rtl="0">
+              <a:lnSpc>
+                <a:spcPct val="100000"/>
+              </a:lnSpc>
+              <a:spcBef>
+                <a:spcPts val="0"/>
+              </a:spcBef>
+              <a:spcAft>
+                <a:spcPts val="0"/>
+              </a:spcAft>
+              <a:buClr>
+                <a:srgbClr val="000000"/>
+              </a:buClr>
+              <a:buSzPts val="2600"/>
+              <a:buFont typeface="Arial"/>
+              <a:buNone/>
+              <a:defRPr sz="3300" b="0" i="0" u="none" strike="noStrike" cap="none">
+                <a:solidFill>
+                  <a:srgbClr val="000000"/>
+                </a:solidFill>
+                <a:latin typeface="Arial"/>
+                <a:ea typeface="Arial"/>
+                <a:cs typeface="Arial"/>
+                <a:sym typeface="Arial"/>
+              </a:defRPr>
+            </a:lvl3pPr>
+            <a:lvl4pPr marR="0" lvl="3" indent="0" algn="l" rtl="0">
+              <a:lnSpc>
+                <a:spcPct val="100000"/>
+              </a:lnSpc>
+              <a:spcBef>
+                <a:spcPts val="0"/>
+              </a:spcBef>
+              <a:spcAft>
+                <a:spcPts val="0"/>
+              </a:spcAft>
+              <a:buClr>
+                <a:srgbClr val="000000"/>
+              </a:buClr>
+              <a:buSzPts val="2600"/>
+              <a:buFont typeface="Arial"/>
+              <a:buNone/>
+              <a:defRPr sz="3300" b="0" i="0" u="none" strike="noStrike" cap="none">
+                <a:solidFill>
+                  <a:srgbClr val="000000"/>
+                </a:solidFill>
+                <a:latin typeface="Arial"/>
+                <a:ea typeface="Arial"/>
+                <a:cs typeface="Arial"/>
+                <a:sym typeface="Arial"/>
+              </a:defRPr>
+            </a:lvl4pPr>
+            <a:lvl5pPr marR="0" lvl="4" indent="0" algn="l" rtl="0">
+              <a:lnSpc>
+                <a:spcPct val="100000"/>
+              </a:lnSpc>
+              <a:spcBef>
+                <a:spcPts val="0"/>
+              </a:spcBef>
+              <a:spcAft>
+                <a:spcPts val="0"/>
+              </a:spcAft>
+              <a:buClr>
+                <a:srgbClr val="000000"/>
+              </a:buClr>
+              <a:buSzPts val="2600"/>
+              <a:buFont typeface="Arial"/>
+              <a:buNone/>
+              <a:defRPr sz="3300" b="0" i="0" u="none" strike="noStrike" cap="none">
+                <a:solidFill>
+                  <a:srgbClr val="000000"/>
+                </a:solidFill>
+                <a:latin typeface="Arial"/>
+                <a:ea typeface="Arial"/>
+                <a:cs typeface="Arial"/>
+                <a:sym typeface="Arial"/>
+              </a:defRPr>
+            </a:lvl5pPr>
+            <a:lvl6pPr marR="0" lvl="5" indent="0" algn="l" rtl="0">
+              <a:lnSpc>
+                <a:spcPct val="100000"/>
+              </a:lnSpc>
+              <a:spcBef>
+                <a:spcPts val="0"/>
+              </a:spcBef>
+              <a:spcAft>
+                <a:spcPts val="0"/>
+              </a:spcAft>
+              <a:buClr>
+                <a:srgbClr val="000000"/>
+              </a:buClr>
+              <a:buSzPts val="2600"/>
+              <a:buFont typeface="Arial"/>
+              <a:buNone/>
+              <a:defRPr sz="3300" b="0" i="0" u="none" strike="noStrike" cap="none">
+                <a:solidFill>
+                  <a:srgbClr val="000000"/>
+                </a:solidFill>
+                <a:latin typeface="Arial"/>
+                <a:ea typeface="Arial"/>
+                <a:cs typeface="Arial"/>
+                <a:sym typeface="Arial"/>
+              </a:defRPr>
+            </a:lvl6pPr>
+            <a:lvl7pPr marR="0" lvl="6" indent="0" algn="l" rtl="0">
+              <a:lnSpc>
+                <a:spcPct val="100000"/>
+              </a:lnSpc>
+              <a:spcBef>
+                <a:spcPts val="0"/>
+              </a:spcBef>
+              <a:spcAft>
+                <a:spcPts val="0"/>
+              </a:spcAft>
+              <a:buClr>
+                <a:srgbClr val="000000"/>
+              </a:buClr>
+              <a:buSzPts val="2600"/>
+              <a:buFont typeface="Arial"/>
+              <a:buNone/>
+              <a:defRPr sz="3300" b="0" i="0" u="none" strike="noStrike" cap="none">
+                <a:solidFill>
+                  <a:srgbClr val="000000"/>
+                </a:solidFill>
+                <a:latin typeface="Arial"/>
+                <a:ea typeface="Arial"/>
+                <a:cs typeface="Arial"/>
+                <a:sym typeface="Arial"/>
+              </a:defRPr>
+            </a:lvl7pPr>
+            <a:lvl8pPr marR="0" lvl="7" indent="0" algn="l" rtl="0">
+              <a:lnSpc>
+                <a:spcPct val="100000"/>
+              </a:lnSpc>
+              <a:spcBef>
+                <a:spcPts val="0"/>
+              </a:spcBef>
+              <a:spcAft>
+                <a:spcPts val="0"/>
+              </a:spcAft>
+              <a:buClr>
+                <a:srgbClr val="000000"/>
+              </a:buClr>
+              <a:buSzPts val="2600"/>
+              <a:buFont typeface="Arial"/>
+              <a:buNone/>
+              <a:defRPr sz="3300" b="0" i="0" u="none" strike="noStrike" cap="none">
+                <a:solidFill>
+                  <a:srgbClr val="000000"/>
+                </a:solidFill>
+                <a:latin typeface="Arial"/>
+                <a:ea typeface="Arial"/>
+                <a:cs typeface="Arial"/>
+                <a:sym typeface="Arial"/>
+              </a:defRPr>
+            </a:lvl8pPr>
+            <a:lvl9pPr marR="0" lvl="8" indent="0" algn="l" rtl="0">
+              <a:lnSpc>
+                <a:spcPct val="100000"/>
+              </a:lnSpc>
+              <a:spcBef>
+                <a:spcPts val="0"/>
+              </a:spcBef>
+              <a:spcAft>
+                <a:spcPts val="0"/>
+              </a:spcAft>
+              <a:buClr>
+                <a:srgbClr val="000000"/>
+              </a:buClr>
+              <a:buSzPts val="2600"/>
+              <a:buFont typeface="Arial"/>
+              <a:buNone/>
+              <a:defRPr sz="3300" b="0" i="0" u="none" strike="noStrike" cap="none">
+                <a:solidFill>
+                  <a:srgbClr val="000000"/>
+                </a:solidFill>
+                <a:latin typeface="Arial"/>
+                <a:ea typeface="Arial"/>
+                <a:cs typeface="Arial"/>
+                <a:sym typeface="Arial"/>
+              </a:defRPr>
+            </a:lvl9pPr>
+          </a:lstStyle>
+          <a:p>
+            <a:r>
+              <a:rPr lang="en-US" dirty="0" err="1"/>
+              <a:t>ArchUnit</a:t>
+            </a:r>
+            <a:endParaRPr lang="en-US" dirty="0"/>
+          </a:p>
+        </p:txBody>
+      </p:sp>
+      <p:sp>
+        <p:nvSpPr>
+          <p:cNvPr id="3" name="Espaço Reservado para Texto 2">
+            <a:extLst>
+              <a:ext uri="{FF2B5EF4-FFF2-40B4-BE49-F238E27FC236}">
+                <a16:creationId xmlns:a16="http://schemas.microsoft.com/office/drawing/2014/main" id="{D2B34B76-58DB-4D28-8337-0D68FAC522E3}"/>
+              </a:ext>
+            </a:extLst>
+          </p:cNvPr>
+          <p:cNvSpPr>
+            <a:spLocks noGrp="1"/>
+          </p:cNvSpPr>
+          <p:nvPr>
+            <p:ph type="body" idx="1"/>
+          </p:nvPr>
+        </p:nvSpPr>
+        <p:spPr/>
+        <p:txBody>
+          <a:bodyPr/>
+          <a:lstStyle/>
+          <a:p>
+            <a:r>
+              <a:rPr lang="pt-BR" dirty="0" err="1"/>
+              <a:t>Author</a:t>
+            </a:r>
+            <a:r>
+              <a:rPr lang="pt-BR" dirty="0"/>
+              <a:t>: Peter </a:t>
+            </a:r>
+            <a:r>
+              <a:rPr lang="pt-BR" dirty="0" err="1"/>
+              <a:t>Gafert</a:t>
+            </a:r>
+            <a:endParaRPr lang="pt-BR" dirty="0"/>
+          </a:p>
+          <a:p>
+            <a:endParaRPr lang="pt-BR" dirty="0"/>
+          </a:p>
+          <a:p>
+            <a:r>
+              <a:rPr lang="pt-BR" dirty="0" err="1"/>
+              <a:t>First</a:t>
+            </a:r>
+            <a:r>
+              <a:rPr lang="pt-BR" dirty="0"/>
+              <a:t> release </a:t>
+            </a:r>
+            <a:r>
+              <a:rPr lang="pt-BR" dirty="0" err="1"/>
+              <a:t>on</a:t>
+            </a:r>
+            <a:r>
+              <a:rPr lang="pt-BR" dirty="0"/>
+              <a:t> </a:t>
+            </a:r>
+            <a:r>
+              <a:rPr lang="pt-BR" dirty="0" err="1"/>
+              <a:t>April</a:t>
+            </a:r>
+            <a:r>
+              <a:rPr lang="pt-BR" dirty="0"/>
+              <a:t> 23, 2017</a:t>
+            </a:r>
+          </a:p>
+          <a:p>
+            <a:endParaRPr lang="pt-BR" dirty="0"/>
+          </a:p>
+          <a:p>
+            <a:r>
+              <a:rPr lang="pt-BR" dirty="0" err="1"/>
+              <a:t>Current</a:t>
+            </a:r>
+            <a:r>
+              <a:rPr lang="pt-BR" dirty="0"/>
+              <a:t> </a:t>
+            </a:r>
+            <a:r>
+              <a:rPr lang="pt-BR" dirty="0" err="1"/>
+              <a:t>version</a:t>
+            </a:r>
+            <a:r>
+              <a:rPr lang="pt-BR" dirty="0"/>
+              <a:t> 0.10.2</a:t>
+            </a:r>
+          </a:p>
+          <a:p>
+            <a:endParaRPr lang="pt-BR" dirty="0"/>
+          </a:p>
+          <a:p>
+            <a:r>
+              <a:rPr lang="en-US" dirty="0">
+                <a:hlinkClick r:id="rId3"/>
+              </a:rPr>
+              <a:t>https://www.archunit.org/</a:t>
+            </a:r>
+            <a:endParaRPr lang="en-US" dirty="0"/>
+          </a:p>
+        </p:txBody>
+      </p:sp>
+    </p:spTree>
+    <p:extLst>
+      <p:ext uri="{BB962C8B-B14F-4D97-AF65-F5344CB8AC3E}">
+        <p14:creationId xmlns:p14="http://schemas.microsoft.com/office/powerpoint/2010/main" val="3916212768"/>
+      </p:ext>
+    </p:extLst>
+  </p:cSld>
+  <p:clrMapOvr>
+    <a:masterClrMapping/>
+  </p:clrMapOvr>
+</p:sld>
+</file>
+
+<file path=ppt/slides/slide6.xml><?xml version="1.0" encoding="utf-8"?>
+<p:sld xmlns:a="http://schemas.openxmlformats.org/drawingml/2006/main" xmlns:r="http://schemas.openxmlformats.org/officeDocument/2006/relationships" xmlns:p="http://schemas.openxmlformats.org/presentationml/2006/main">
+  <p:cSld>
+    <p:spTree>
+      <p:nvGrpSpPr>
+        <p:cNvPr id="1" name="Shape 74"/>
+        <p:cNvGrpSpPr/>
+        <p:nvPr/>
+      </p:nvGrpSpPr>
+      <p:grpSpPr>
+        <a:xfrm>
+          <a:off x="0" y="0"/>
+          <a:ext cx="0" cy="0"/>
+          <a:chOff x="0" y="0"/>
+          <a:chExt cx="0" cy="0"/>
+        </a:xfrm>
+      </p:grpSpPr>
+      <p:sp>
+        <p:nvSpPr>
+          <p:cNvPr id="75" name="Google Shape;75;p14"/>
+          <p:cNvSpPr txBox="1">
+            <a:spLocks noGrp="1"/>
+          </p:cNvSpPr>
+          <p:nvPr>
+            <p:ph type="ctrTitle"/>
+          </p:nvPr>
+        </p:nvSpPr>
+        <p:spPr>
+          <a:xfrm>
+            <a:off x="1371600" y="1683544"/>
+            <a:ext cx="15544800" cy="3581400"/>
+          </a:xfrm>
+          <a:prstGeom prst="rect">
+            <a:avLst/>
+          </a:prstGeom>
+        </p:spPr>
+        <p:txBody>
+          <a:bodyPr spcFirstLastPara="1" wrap="square" lIns="167625" tIns="167625" rIns="167625" bIns="167625" anchor="b" anchorCtr="0">
+            <a:noAutofit/>
+          </a:bodyPr>
+          <a:lstStyle/>
+          <a:p>
+            <a:pPr marL="0" lvl="0" indent="0" algn="ctr" rtl="0">
+              <a:spcBef>
+                <a:spcPts val="0"/>
+              </a:spcBef>
+              <a:spcAft>
+                <a:spcPts val="0"/>
+              </a:spcAft>
+              <a:buNone/>
+            </a:pPr>
+            <a:r>
+              <a:rPr lang="en-US" dirty="0" err="1"/>
+              <a:t>ArchUnit</a:t>
+            </a:r>
+            <a:r>
+              <a:rPr lang="en-US" dirty="0"/>
+              <a:t> and </a:t>
+            </a:r>
+            <a:r>
+              <a:rPr lang="en-US" dirty="0" err="1"/>
+              <a:t>jQAssitant</a:t>
+            </a:r>
+            <a:endParaRPr dirty="0"/>
+          </a:p>
+        </p:txBody>
+      </p:sp>
+      <p:sp>
+        <p:nvSpPr>
+          <p:cNvPr id="76" name="Google Shape;76;p14"/>
+          <p:cNvSpPr txBox="1">
+            <a:spLocks noGrp="1"/>
+          </p:cNvSpPr>
+          <p:nvPr>
+            <p:ph type="subTitle" idx="1"/>
+          </p:nvPr>
+        </p:nvSpPr>
+        <p:spPr>
+          <a:xfrm>
+            <a:off x="2286000" y="5403057"/>
+            <a:ext cx="13716000" cy="2483700"/>
+          </a:xfrm>
+          <a:prstGeom prst="rect">
+            <a:avLst/>
+          </a:prstGeom>
+        </p:spPr>
+        <p:txBody>
+          <a:bodyPr spcFirstLastPara="1" wrap="square" lIns="167625" tIns="167625" rIns="167625" bIns="167625" anchor="t" anchorCtr="0">
+            <a:noAutofit/>
+          </a:bodyPr>
+          <a:lstStyle/>
+          <a:p>
+            <a:pPr marL="0" lvl="0" indent="0" algn="ctr" rtl="0">
+              <a:spcBef>
+                <a:spcPts val="1800"/>
+              </a:spcBef>
+              <a:spcAft>
+                <a:spcPts val="0"/>
+              </a:spcAft>
+              <a:buNone/>
+            </a:pPr>
+            <a:endParaRPr dirty="0"/>
+          </a:p>
+        </p:txBody>
+      </p:sp>
+    </p:spTree>
+    <p:extLst>
+      <p:ext uri="{BB962C8B-B14F-4D97-AF65-F5344CB8AC3E}">
+        <p14:creationId xmlns:p14="http://schemas.microsoft.com/office/powerpoint/2010/main" val="4030055310"/>
+      </p:ext>
+    </p:extLst>
+  </p:cSld>
+  <p:clrMapOvr>
+    <a:masterClrMapping/>
+  </p:clrMapOvr>
+</p:sld>
+</file>
+
+<file path=ppt/slides/slide7.xml><?xml version="1.0" encoding="utf-8"?>
+<p:sld xmlns:a="http://schemas.openxmlformats.org/drawingml/2006/main" xmlns:r="http://schemas.openxmlformats.org/officeDocument/2006/relationships" xmlns:p="http://schemas.openxmlformats.org/presentationml/2006/main">
+  <p:cSld>
+    <p:spTree>
+      <p:nvGrpSpPr>
+        <p:cNvPr id="1" name="Shape 66"/>
+        <p:cNvGrpSpPr/>
+        <p:nvPr/>
+      </p:nvGrpSpPr>
+      <p:grpSpPr>
+        <a:xfrm>
+          <a:off x="0" y="0"/>
+          <a:ext cx="0" cy="0"/>
+          <a:chOff x="0" y="0"/>
+          <a:chExt cx="0" cy="0"/>
+        </a:xfrm>
+      </p:grpSpPr>
+      <p:sp>
+        <p:nvSpPr>
+          <p:cNvPr id="67" name="Google Shape;67;p13"/>
+          <p:cNvSpPr txBox="1">
+            <a:spLocks noGrp="1"/>
+          </p:cNvSpPr>
+          <p:nvPr>
+            <p:ph type="title"/>
+          </p:nvPr>
+        </p:nvSpPr>
+        <p:spPr>
+          <a:xfrm>
+            <a:off x="1773425" y="2387050"/>
+            <a:ext cx="15773400" cy="1366500"/>
+          </a:xfrm>
+          <a:prstGeom prst="rect">
+            <a:avLst/>
+          </a:prstGeom>
+          <a:noFill/>
+          <a:ln>
+            <a:noFill/>
+          </a:ln>
+        </p:spPr>
+        <p:txBody>
+          <a:bodyPr spcFirstLastPara="1" wrap="square" lIns="167625" tIns="83775" rIns="167625" bIns="83775" anchor="ctr" anchorCtr="0">
+            <a:noAutofit/>
+          </a:bodyPr>
+          <a:lstStyle/>
+          <a:p>
+            <a:pPr marL="0" marR="0" lvl="0" indent="0" algn="l" rtl="0">
+              <a:lnSpc>
+                <a:spcPct val="90000"/>
+              </a:lnSpc>
+              <a:spcBef>
+                <a:spcPts val="0"/>
+              </a:spcBef>
+              <a:spcAft>
+                <a:spcPts val="0"/>
+              </a:spcAft>
+              <a:buClr>
+                <a:schemeClr val="lt1"/>
+              </a:buClr>
+              <a:buFont typeface="Lato"/>
+              <a:buNone/>
+            </a:pPr>
+            <a:r>
+              <a:rPr lang="en-US"/>
+              <a:t>Header</a:t>
+            </a:r>
+            <a:endParaRPr sz="4400" b="0" i="0" u="none" strike="noStrike" cap="none">
+              <a:solidFill>
+                <a:schemeClr val="lt1"/>
+              </a:solidFill>
+              <a:latin typeface="Lato"/>
+              <a:ea typeface="Lato"/>
+              <a:cs typeface="Lato"/>
+              <a:sym typeface="Lato"/>
+            </a:endParaRPr>
+          </a:p>
+        </p:txBody>
+      </p:sp>
+      <p:sp>
+        <p:nvSpPr>
+          <p:cNvPr id="68" name="Google Shape;68;p13"/>
+          <p:cNvSpPr txBox="1">
+            <a:spLocks noGrp="1"/>
+          </p:cNvSpPr>
+          <p:nvPr>
+            <p:ph type="sldNum" idx="12"/>
+          </p:nvPr>
+        </p:nvSpPr>
+        <p:spPr>
+          <a:xfrm>
+            <a:off x="14019950" y="1839238"/>
+            <a:ext cx="4114800" cy="547800"/>
+          </a:xfrm>
+          <a:prstGeom prst="rect">
+            <a:avLst/>
+          </a:prstGeom>
+          <a:noFill/>
+          <a:ln>
+            <a:noFill/>
+          </a:ln>
+        </p:spPr>
+        <p:txBody>
+          <a:bodyPr spcFirstLastPara="1" wrap="square" lIns="167625" tIns="83775" rIns="167625" bIns="83775" anchor="ctr" anchorCtr="0">
+            <a:noAutofit/>
+          </a:bodyPr>
+          <a:lstStyle/>
+          <a:p>
+            <a:pPr marL="0" lvl="0" indent="0" algn="r" rtl="0">
+              <a:spcBef>
+                <a:spcPts val="0"/>
+              </a:spcBef>
+              <a:spcAft>
+                <a:spcPts val="0"/>
+              </a:spcAft>
+              <a:buClr>
+                <a:srgbClr val="000000"/>
+              </a:buClr>
+              <a:buFont typeface="Arial"/>
+              <a:buNone/>
+            </a:pPr>
+            <a:fld id="{00000000-1234-1234-1234-123412341234}" type="slidenum">
+              <a:rPr lang="en-US"/>
+              <a:t>7</a:t>
             </a:fld>
             <a:endParaRPr/>
           </a:p>
@@ -14232,7 +15279,7 @@
 </p:sld>
 </file>
 
-<file path=ppt/slides/slide7.xml><?xml version="1.0" encoding="utf-8"?>
+<file path=ppt/slides/slide8.xml><?xml version="1.0" encoding="utf-8"?>
 <p:sld xmlns:a="http://schemas.openxmlformats.org/drawingml/2006/main" xmlns:r="http://schemas.openxmlformats.org/officeDocument/2006/relationships" xmlns:p="http://schemas.openxmlformats.org/presentationml/2006/main">
   <p:cSld>
     <p:spTree>
@@ -14354,7 +15401,7 @@
             </a:pPr>
             <a:fld id="{00000000-1234-1234-1234-123412341234}" type="slidenum">
               <a:rPr lang="en-US"/>
-              <a:t>7</a:t>
+              <a:t>8</a:t>
             </a:fld>
             <a:endParaRPr/>
           </a:p>
@@ -14720,7 +15767,7 @@
 </p:sld>
 </file>
 
-<file path=ppt/slides/slide8.xml><?xml version="1.0" encoding="utf-8"?>
+<file path=ppt/slides/slide9.xml><?xml version="1.0" encoding="utf-8"?>
 <p:sld xmlns:a="http://schemas.openxmlformats.org/drawingml/2006/main" xmlns:r="http://schemas.openxmlformats.org/officeDocument/2006/relationships" xmlns:p="http://schemas.openxmlformats.org/presentationml/2006/main">
   <p:cSld>
     <p:spTree>
@@ -14825,69 +15872,6 @@
     <p:extLst>
       <p:ext uri="{BB962C8B-B14F-4D97-AF65-F5344CB8AC3E}">
         <p14:creationId xmlns:p14="http://schemas.microsoft.com/office/powerpoint/2010/main" val="1476292843"/>
-      </p:ext>
-    </p:extLst>
-  </p:cSld>
-  <p:clrMapOvr>
-    <a:masterClrMapping/>
-  </p:clrMapOvr>
-</p:sld>
-</file>
-
-<file path=ppt/slides/slide9.xml><?xml version="1.0" encoding="utf-8"?>
-<p:sld xmlns:a="http://schemas.openxmlformats.org/drawingml/2006/main" xmlns:r="http://schemas.openxmlformats.org/officeDocument/2006/relationships" xmlns:p="http://schemas.openxmlformats.org/presentationml/2006/main">
-  <p:cSld>
-    <p:spTree>
-      <p:nvGrpSpPr>
-        <p:cNvPr id="1" name="Shape 81"/>
-        <p:cNvGrpSpPr/>
-        <p:nvPr/>
-      </p:nvGrpSpPr>
-      <p:grpSpPr>
-        <a:xfrm>
-          <a:off x="0" y="0"/>
-          <a:ext cx="0" cy="0"/>
-          <a:chOff x="0" y="0"/>
-          <a:chExt cx="0" cy="0"/>
-        </a:xfrm>
-      </p:grpSpPr>
-      <p:sp>
-        <p:nvSpPr>
-          <p:cNvPr id="82" name="Google Shape;82;p15"/>
-          <p:cNvSpPr txBox="1">
-            <a:spLocks noGrp="1"/>
-          </p:cNvSpPr>
-          <p:nvPr>
-            <p:ph type="ctrTitle"/>
-          </p:nvPr>
-        </p:nvSpPr>
-        <p:spPr>
-          <a:xfrm>
-            <a:off x="1371600" y="1683544"/>
-            <a:ext cx="15544800" cy="3581400"/>
-          </a:xfrm>
-          <a:prstGeom prst="rect">
-            <a:avLst/>
-          </a:prstGeom>
-        </p:spPr>
-        <p:txBody>
-          <a:bodyPr spcFirstLastPara="1" wrap="square" lIns="167625" tIns="167625" rIns="167625" bIns="167625" anchor="b" anchorCtr="0">
-            <a:noAutofit/>
-          </a:bodyPr>
-          <a:lstStyle/>
-          <a:p>
-            <a:r>
-              <a:rPr lang="en-US" b="1" dirty="0"/>
-              <a:t>Simple Demo</a:t>
-            </a:r>
-            <a:endParaRPr dirty="0"/>
-          </a:p>
-        </p:txBody>
-      </p:sp>
-    </p:spTree>
-    <p:extLst>
-      <p:ext uri="{BB962C8B-B14F-4D97-AF65-F5344CB8AC3E}">
-        <p14:creationId xmlns:p14="http://schemas.microsoft.com/office/powerpoint/2010/main" val="2498775379"/>
       </p:ext>
     </p:extLst>
   </p:cSld>

--- a/ArchUnit.pptx
+++ b/ArchUnit.pptx
@@ -5,7 +5,7 @@
     <p:sldMasterId id="2147483658" r:id="rId1"/>
   </p:sldMasterIdLst>
   <p:notesMasterIdLst>
-    <p:notesMasterId r:id="rId25"/>
+    <p:notesMasterId r:id="rId26"/>
   </p:notesMasterIdLst>
   <p:sldIdLst>
     <p:sldId id="256" r:id="rId2"/>
@@ -22,32 +22,33 @@
     <p:sldId id="318" r:id="rId13"/>
     <p:sldId id="310" r:id="rId14"/>
     <p:sldId id="311" r:id="rId15"/>
-    <p:sldId id="312" r:id="rId16"/>
-    <p:sldId id="313" r:id="rId17"/>
-    <p:sldId id="315" r:id="rId18"/>
-    <p:sldId id="314" r:id="rId19"/>
-    <p:sldId id="316" r:id="rId20"/>
-    <p:sldId id="297" r:id="rId21"/>
-    <p:sldId id="261" r:id="rId22"/>
-    <p:sldId id="265" r:id="rId23"/>
-    <p:sldId id="262" r:id="rId24"/>
+    <p:sldId id="319" r:id="rId16"/>
+    <p:sldId id="312" r:id="rId17"/>
+    <p:sldId id="313" r:id="rId18"/>
+    <p:sldId id="315" r:id="rId19"/>
+    <p:sldId id="314" r:id="rId20"/>
+    <p:sldId id="316" r:id="rId21"/>
+    <p:sldId id="297" r:id="rId22"/>
+    <p:sldId id="261" r:id="rId23"/>
+    <p:sldId id="265" r:id="rId24"/>
+    <p:sldId id="262" r:id="rId25"/>
   </p:sldIdLst>
   <p:sldSz cx="18288000" cy="10287000"/>
   <p:notesSz cx="6858000" cy="9144000"/>
   <p:embeddedFontLst>
     <p:embeddedFont>
       <p:font typeface="Calibri" panose="020F0502020204030204" pitchFamily="34" charset="0"/>
-      <p:regular r:id="rId26"/>
-      <p:bold r:id="rId27"/>
-      <p:italic r:id="rId28"/>
-      <p:boldItalic r:id="rId29"/>
+      <p:regular r:id="rId27"/>
+      <p:bold r:id="rId28"/>
+      <p:italic r:id="rId29"/>
+      <p:boldItalic r:id="rId30"/>
     </p:embeddedFont>
     <p:embeddedFont>
       <p:font typeface="Lato" panose="020F0502020204030203" pitchFamily="34" charset="0"/>
-      <p:regular r:id="rId30"/>
-      <p:bold r:id="rId31"/>
-      <p:italic r:id="rId32"/>
-      <p:boldItalic r:id="rId33"/>
+      <p:regular r:id="rId31"/>
+      <p:bold r:id="rId32"/>
+      <p:italic r:id="rId33"/>
+      <p:boldItalic r:id="rId34"/>
     </p:embeddedFont>
   </p:embeddedFontLst>
   <p:defaultTextStyle>
@@ -2499,7 +2500,7 @@
             </a:pPr>
             <a:fld id="{00000000-1234-1234-1234-123412341234}" type="slidenum">
               <a:rPr lang="en-US"/>
-              <a:t>15</a:t>
+              <a:t>16</a:t>
             </a:fld>
             <a:endParaRPr/>
           </a:p>
@@ -2654,7 +2655,7 @@
             </a:pPr>
             <a:fld id="{00000000-1234-1234-1234-123412341234}" type="slidenum">
               <a:rPr lang="en-US"/>
-              <a:t>16</a:t>
+              <a:t>17</a:t>
             </a:fld>
             <a:endParaRPr/>
           </a:p>
@@ -2809,7 +2810,7 @@
             </a:pPr>
             <a:fld id="{00000000-1234-1234-1234-123412341234}" type="slidenum">
               <a:rPr lang="en-US"/>
-              <a:t>17</a:t>
+              <a:t>18</a:t>
             </a:fld>
             <a:endParaRPr/>
           </a:p>
@@ -2964,7 +2965,7 @@
             </a:pPr>
             <a:fld id="{00000000-1234-1234-1234-123412341234}" type="slidenum">
               <a:rPr lang="en-US"/>
-              <a:t>18</a:t>
+              <a:t>19</a:t>
             </a:fld>
             <a:endParaRPr/>
           </a:p>
@@ -3119,7 +3120,7 @@
             </a:pPr>
             <a:fld id="{00000000-1234-1234-1234-123412341234}" type="slidenum">
               <a:rPr lang="en-US"/>
-              <a:t>19</a:t>
+              <a:t>20</a:t>
             </a:fld>
             <a:endParaRPr/>
           </a:p>
@@ -3454,7 +3455,7 @@
             </a:pPr>
             <a:fld id="{00000000-1234-1234-1234-123412341234}" type="slidenum">
               <a:rPr lang="en-US"/>
-              <a:t>20</a:t>
+              <a:t>21</a:t>
             </a:fld>
             <a:endParaRPr/>
           </a:p>
@@ -3613,7 +3614,7 @@
             </a:pPr>
             <a:fld id="{00000000-1234-1234-1234-123412341234}" type="slidenum">
               <a:rPr lang="en-US"/>
-              <a:t>21</a:t>
+              <a:t>22</a:t>
             </a:fld>
             <a:endParaRPr/>
           </a:p>
@@ -3785,7 +3786,7 @@
                 <a:cs typeface="Calibri"/>
                 <a:sym typeface="Calibri"/>
               </a:rPr>
-              <a:t>22</a:t>
+              <a:t>23</a:t>
             </a:fld>
             <a:endParaRPr sz="1200" b="0" i="0" u="none" strike="noStrike" cap="none">
               <a:solidFill>
@@ -3948,7 +3949,7 @@
             </a:pPr>
             <a:fld id="{00000000-1234-1234-1234-123412341234}" type="slidenum">
               <a:rPr lang="en-US"/>
-              <a:t>23</a:t>
+              <a:t>24</a:t>
             </a:fld>
             <a:endParaRPr/>
           </a:p>
@@ -11954,6 +11955,90 @@
   <p:cSld>
     <p:spTree>
       <p:nvGrpSpPr>
+        <p:cNvPr id="1" name=""/>
+        <p:cNvGrpSpPr/>
+        <p:nvPr/>
+      </p:nvGrpSpPr>
+      <p:grpSpPr>
+        <a:xfrm>
+          <a:off x="0" y="0"/>
+          <a:ext cx="0" cy="0"/>
+          <a:chOff x="0" y="0"/>
+          <a:chExt cx="0" cy="0"/>
+        </a:xfrm>
+      </p:grpSpPr>
+      <p:sp>
+        <p:nvSpPr>
+          <p:cNvPr id="2" name="Título 1">
+            <a:extLst>
+              <a:ext uri="{FF2B5EF4-FFF2-40B4-BE49-F238E27FC236}">
+                <a16:creationId xmlns:a16="http://schemas.microsoft.com/office/drawing/2014/main" id="{F60C1AF2-22DC-4617-BAD9-781C7490B8B5}"/>
+              </a:ext>
+            </a:extLst>
+          </p:cNvPr>
+          <p:cNvSpPr>
+            <a:spLocks noGrp="1"/>
+          </p:cNvSpPr>
+          <p:nvPr>
+            <p:ph type="ctrTitle"/>
+          </p:nvPr>
+        </p:nvSpPr>
+        <p:spPr/>
+        <p:txBody>
+          <a:bodyPr/>
+          <a:lstStyle/>
+          <a:p>
+            <a:r>
+              <a:rPr lang="pt-BR" dirty="0" err="1"/>
+              <a:t>LayeredArchitecture</a:t>
+            </a:r>
+            <a:endParaRPr lang="en-US" dirty="0"/>
+          </a:p>
+        </p:txBody>
+      </p:sp>
+      <p:sp>
+        <p:nvSpPr>
+          <p:cNvPr id="3" name="Subtítulo 2">
+            <a:extLst>
+              <a:ext uri="{FF2B5EF4-FFF2-40B4-BE49-F238E27FC236}">
+                <a16:creationId xmlns:a16="http://schemas.microsoft.com/office/drawing/2014/main" id="{03A68F5C-66D5-4E3C-B282-46464D0CF5B1}"/>
+              </a:ext>
+            </a:extLst>
+          </p:cNvPr>
+          <p:cNvSpPr>
+            <a:spLocks noGrp="1"/>
+          </p:cNvSpPr>
+          <p:nvPr>
+            <p:ph type="subTitle" idx="1"/>
+          </p:nvPr>
+        </p:nvSpPr>
+        <p:spPr/>
+        <p:txBody>
+          <a:bodyPr/>
+          <a:lstStyle/>
+          <a:p>
+            <a:endParaRPr lang="en-US"/>
+          </a:p>
+        </p:txBody>
+      </p:sp>
+    </p:spTree>
+    <p:extLst>
+      <p:ext uri="{BB962C8B-B14F-4D97-AF65-F5344CB8AC3E}">
+        <p14:creationId xmlns:p14="http://schemas.microsoft.com/office/powerpoint/2010/main" val="805462161"/>
+      </p:ext>
+    </p:extLst>
+  </p:cSld>
+  <p:clrMapOvr>
+    <a:masterClrMapping/>
+  </p:clrMapOvr>
+</p:sld>
+</file>
+
+<file path=ppt/slides/slide16.xml><?xml version="1.0" encoding="utf-8"?>
+<p:sld xmlns:a="http://schemas.openxmlformats.org/drawingml/2006/main" xmlns:r="http://schemas.openxmlformats.org/officeDocument/2006/relationships" xmlns:p="http://schemas.openxmlformats.org/presentationml/2006/main">
+  <p:cSld>
+    <p:spTree>
+      <p:nvGrpSpPr>
         <p:cNvPr id="1" name="Shape 81"/>
         <p:cNvGrpSpPr/>
         <p:nvPr/>
@@ -12012,7 +12097,7 @@
 </p:sld>
 </file>
 
-<file path=ppt/slides/slide16.xml><?xml version="1.0" encoding="utf-8"?>
+<file path=ppt/slides/slide17.xml><?xml version="1.0" encoding="utf-8"?>
 <p:sld xmlns:a="http://schemas.openxmlformats.org/drawingml/2006/main" xmlns:r="http://schemas.openxmlformats.org/officeDocument/2006/relationships" xmlns:p="http://schemas.openxmlformats.org/presentationml/2006/main">
   <p:cSld>
     <p:spTree>
@@ -12079,7 +12164,7 @@
 </p:sld>
 </file>
 
-<file path=ppt/slides/slide17.xml><?xml version="1.0" encoding="utf-8"?>
+<file path=ppt/slides/slide18.xml><?xml version="1.0" encoding="utf-8"?>
 <p:sld xmlns:a="http://schemas.openxmlformats.org/drawingml/2006/main" xmlns:r="http://schemas.openxmlformats.org/officeDocument/2006/relationships" xmlns:p="http://schemas.openxmlformats.org/presentationml/2006/main">
   <p:cSld>
     <p:spTree>
@@ -12142,7 +12227,7 @@
 </p:sld>
 </file>
 
-<file path=ppt/slides/slide18.xml><?xml version="1.0" encoding="utf-8"?>
+<file path=ppt/slides/slide19.xml><?xml version="1.0" encoding="utf-8"?>
 <p:sld xmlns:a="http://schemas.openxmlformats.org/drawingml/2006/main" xmlns:r="http://schemas.openxmlformats.org/officeDocument/2006/relationships" xmlns:p="http://schemas.openxmlformats.org/presentationml/2006/main">
   <p:cSld>
     <p:spTree>
@@ -12213,116 +12298,6 @@
 </p:sld>
 </file>
 
-<file path=ppt/slides/slide19.xml><?xml version="1.0" encoding="utf-8"?>
-<p:sld xmlns:a="http://schemas.openxmlformats.org/drawingml/2006/main" xmlns:r="http://schemas.openxmlformats.org/officeDocument/2006/relationships" xmlns:p="http://schemas.openxmlformats.org/presentationml/2006/main">
-  <p:cSld>
-    <p:spTree>
-      <p:nvGrpSpPr>
-        <p:cNvPr id="1" name="Shape 74"/>
-        <p:cNvGrpSpPr/>
-        <p:nvPr/>
-      </p:nvGrpSpPr>
-      <p:grpSpPr>
-        <a:xfrm>
-          <a:off x="0" y="0"/>
-          <a:ext cx="0" cy="0"/>
-          <a:chOff x="0" y="0"/>
-          <a:chExt cx="0" cy="0"/>
-        </a:xfrm>
-      </p:grpSpPr>
-      <p:sp>
-        <p:nvSpPr>
-          <p:cNvPr id="75" name="Google Shape;75;p14"/>
-          <p:cNvSpPr txBox="1">
-            <a:spLocks noGrp="1"/>
-          </p:cNvSpPr>
-          <p:nvPr>
-            <p:ph type="ctrTitle"/>
-          </p:nvPr>
-        </p:nvSpPr>
-        <p:spPr>
-          <a:xfrm>
-            <a:off x="1371600" y="1683544"/>
-            <a:ext cx="15544800" cy="3581400"/>
-          </a:xfrm>
-          <a:prstGeom prst="rect">
-            <a:avLst/>
-          </a:prstGeom>
-        </p:spPr>
-        <p:txBody>
-          <a:bodyPr spcFirstLastPara="1" wrap="square" lIns="167625" tIns="167625" rIns="167625" bIns="167625" anchor="b" anchorCtr="0">
-            <a:noAutofit/>
-          </a:bodyPr>
-          <a:lstStyle/>
-          <a:p>
-            <a:pPr marL="0" lvl="0" indent="0" algn="ctr" rtl="0">
-              <a:spcBef>
-                <a:spcPts val="0"/>
-              </a:spcBef>
-              <a:spcAft>
-                <a:spcPts val="0"/>
-              </a:spcAft>
-              <a:buNone/>
-            </a:pPr>
-            <a:r>
-              <a:rPr lang="en-US" b="1" dirty="0"/>
-              <a:t>Limitations</a:t>
-            </a:r>
-            <a:endParaRPr b="1" dirty="0"/>
-          </a:p>
-        </p:txBody>
-      </p:sp>
-      <p:sp>
-        <p:nvSpPr>
-          <p:cNvPr id="76" name="Google Shape;76;p14"/>
-          <p:cNvSpPr txBox="1">
-            <a:spLocks noGrp="1"/>
-          </p:cNvSpPr>
-          <p:nvPr>
-            <p:ph type="subTitle" idx="1"/>
-          </p:nvPr>
-        </p:nvSpPr>
-        <p:spPr>
-          <a:xfrm>
-            <a:off x="2286000" y="5403057"/>
-            <a:ext cx="13716000" cy="2483700"/>
-          </a:xfrm>
-          <a:prstGeom prst="rect">
-            <a:avLst/>
-          </a:prstGeom>
-        </p:spPr>
-        <p:txBody>
-          <a:bodyPr spcFirstLastPara="1" wrap="square" lIns="167625" tIns="167625" rIns="167625" bIns="167625" anchor="t" anchorCtr="0">
-            <a:noAutofit/>
-          </a:bodyPr>
-          <a:lstStyle/>
-          <a:p>
-            <a:pPr marL="0" lvl="0" indent="0" algn="ctr" rtl="0">
-              <a:spcBef>
-                <a:spcPts val="1800"/>
-              </a:spcBef>
-              <a:spcAft>
-                <a:spcPts val="0"/>
-              </a:spcAft>
-              <a:buNone/>
-            </a:pPr>
-            <a:endParaRPr dirty="0"/>
-          </a:p>
-        </p:txBody>
-      </p:sp>
-    </p:spTree>
-    <p:extLst>
-      <p:ext uri="{BB962C8B-B14F-4D97-AF65-F5344CB8AC3E}">
-        <p14:creationId xmlns:p14="http://schemas.microsoft.com/office/powerpoint/2010/main" val="4280851427"/>
-      </p:ext>
-    </p:extLst>
-  </p:cSld>
-  <p:clrMapOvr>
-    <a:masterClrMapping/>
-  </p:clrMapOvr>
-</p:sld>
-</file>
-
 <file path=ppt/slides/slide2.xml><?xml version="1.0" encoding="utf-8"?>
 <p:sld xmlns:a="http://schemas.openxmlformats.org/drawingml/2006/main" xmlns:r="http://schemas.openxmlformats.org/officeDocument/2006/relationships" xmlns:p="http://schemas.openxmlformats.org/presentationml/2006/main">
   <p:cSld>
@@ -13049,6 +13024,116 @@
             </a:pPr>
             <a:r>
               <a:rPr lang="en-US" b="1" dirty="0"/>
+              <a:t>Limitations</a:t>
+            </a:r>
+            <a:endParaRPr b="1" dirty="0"/>
+          </a:p>
+        </p:txBody>
+      </p:sp>
+      <p:sp>
+        <p:nvSpPr>
+          <p:cNvPr id="76" name="Google Shape;76;p14"/>
+          <p:cNvSpPr txBox="1">
+            <a:spLocks noGrp="1"/>
+          </p:cNvSpPr>
+          <p:nvPr>
+            <p:ph type="subTitle" idx="1"/>
+          </p:nvPr>
+        </p:nvSpPr>
+        <p:spPr>
+          <a:xfrm>
+            <a:off x="2286000" y="5403057"/>
+            <a:ext cx="13716000" cy="2483700"/>
+          </a:xfrm>
+          <a:prstGeom prst="rect">
+            <a:avLst/>
+          </a:prstGeom>
+        </p:spPr>
+        <p:txBody>
+          <a:bodyPr spcFirstLastPara="1" wrap="square" lIns="167625" tIns="167625" rIns="167625" bIns="167625" anchor="t" anchorCtr="0">
+            <a:noAutofit/>
+          </a:bodyPr>
+          <a:lstStyle/>
+          <a:p>
+            <a:pPr marL="0" lvl="0" indent="0" algn="ctr" rtl="0">
+              <a:spcBef>
+                <a:spcPts val="1800"/>
+              </a:spcBef>
+              <a:spcAft>
+                <a:spcPts val="0"/>
+              </a:spcAft>
+              <a:buNone/>
+            </a:pPr>
+            <a:endParaRPr dirty="0"/>
+          </a:p>
+        </p:txBody>
+      </p:sp>
+    </p:spTree>
+    <p:extLst>
+      <p:ext uri="{BB962C8B-B14F-4D97-AF65-F5344CB8AC3E}">
+        <p14:creationId xmlns:p14="http://schemas.microsoft.com/office/powerpoint/2010/main" val="4280851427"/>
+      </p:ext>
+    </p:extLst>
+  </p:cSld>
+  <p:clrMapOvr>
+    <a:masterClrMapping/>
+  </p:clrMapOvr>
+</p:sld>
+</file>
+
+<file path=ppt/slides/slide21.xml><?xml version="1.0" encoding="utf-8"?>
+<p:sld xmlns:a="http://schemas.openxmlformats.org/drawingml/2006/main" xmlns:r="http://schemas.openxmlformats.org/officeDocument/2006/relationships" xmlns:p="http://schemas.openxmlformats.org/presentationml/2006/main">
+  <p:cSld>
+    <p:spTree>
+      <p:nvGrpSpPr>
+        <p:cNvPr id="1" name="Shape 74"/>
+        <p:cNvGrpSpPr/>
+        <p:nvPr/>
+      </p:nvGrpSpPr>
+      <p:grpSpPr>
+        <a:xfrm>
+          <a:off x="0" y="0"/>
+          <a:ext cx="0" cy="0"/>
+          <a:chOff x="0" y="0"/>
+          <a:chExt cx="0" cy="0"/>
+        </a:xfrm>
+      </p:grpSpPr>
+      <p:sp>
+        <p:nvSpPr>
+          <p:cNvPr id="75" name="Google Shape;75;p14"/>
+          <p:cNvSpPr txBox="1">
+            <a:spLocks noGrp="1"/>
+          </p:cNvSpPr>
+          <p:nvPr>
+            <p:ph type="ctrTitle"/>
+          </p:nvPr>
+        </p:nvSpPr>
+        <p:spPr>
+          <a:xfrm>
+            <a:off x="1371600" y="1683544"/>
+            <a:ext cx="15544800" cy="3581400"/>
+          </a:xfrm>
+          <a:prstGeom prst="rect">
+            <a:avLst/>
+          </a:prstGeom>
+        </p:spPr>
+        <p:txBody>
+          <a:bodyPr spcFirstLastPara="1" wrap="square" lIns="167625" tIns="167625" rIns="167625" bIns="167625" anchor="b" anchorCtr="0">
+            <a:noAutofit/>
+          </a:bodyPr>
+          <a:lstStyle/>
+          <a:p>
+            <a:pPr marL="0" lvl="0" indent="0" algn="ctr" rtl="0">
+              <a:spcBef>
+                <a:spcPts val="0"/>
+              </a:spcBef>
+              <a:spcAft>
+                <a:spcPts val="0"/>
+              </a:spcAft>
+              <a:buNone/>
+            </a:pPr>
+            <a:r>
+              <a:rPr lang="en-US" b="1" dirty="0"/>
               <a:t>Conclusion</a:t>
             </a:r>
             <a:endParaRPr b="1" dirty="0"/>
@@ -13106,7 +13191,7 @@
 </p:sld>
 </file>
 
-<file path=ppt/slides/slide21.xml><?xml version="1.0" encoding="utf-8"?>
+<file path=ppt/slides/slide22.xml><?xml version="1.0" encoding="utf-8"?>
 <p:sld xmlns:a="http://schemas.openxmlformats.org/drawingml/2006/main" xmlns:r="http://schemas.openxmlformats.org/officeDocument/2006/relationships" xmlns:p="http://schemas.openxmlformats.org/presentationml/2006/main">
   <p:cSld>
     <p:spTree>
@@ -13205,7 +13290,7 @@
             </a:pPr>
             <a:fld id="{00000000-1234-1234-1234-123412341234}" type="slidenum">
               <a:rPr lang="en-US"/>
-              <a:t>21</a:t>
+              <a:t>22</a:t>
             </a:fld>
             <a:endParaRPr/>
           </a:p>
@@ -13283,7 +13368,7 @@
 </p:sld>
 </file>
 
-<file path=ppt/slides/slide22.xml><?xml version="1.0" encoding="utf-8"?>
+<file path=ppt/slides/slide23.xml><?xml version="1.0" encoding="utf-8"?>
 <p:sld xmlns:a="http://schemas.openxmlformats.org/drawingml/2006/main" xmlns:r="http://schemas.openxmlformats.org/officeDocument/2006/relationships" xmlns:p="http://schemas.openxmlformats.org/presentationml/2006/main">
   <p:cSld>
     <p:spTree>
@@ -13405,7 +13490,7 @@
             </a:pPr>
             <a:fld id="{00000000-1234-1234-1234-123412341234}" type="slidenum">
               <a:rPr lang="en-US"/>
-              <a:t>22</a:t>
+              <a:t>23</a:t>
             </a:fld>
             <a:endParaRPr/>
           </a:p>
@@ -13824,7 +13909,7 @@
 </p:sld>
 </file>
 
-<file path=ppt/slides/slide23.xml><?xml version="1.0" encoding="utf-8"?>
+<file path=ppt/slides/slide24.xml><?xml version="1.0" encoding="utf-8"?>
 <p:sld xmlns:a="http://schemas.openxmlformats.org/drawingml/2006/main" xmlns:r="http://schemas.openxmlformats.org/officeDocument/2006/relationships" xmlns:p="http://schemas.openxmlformats.org/presentationml/2006/main">
   <p:cSld>
     <p:spTree>
